--- a/Planar_XFMR/Dimensions_labels.pptx
+++ b/Planar_XFMR/Dimensions_labels.pptx
@@ -6,6 +6,7 @@
   </p:sldMasterIdLst>
   <p:sldIdLst>
     <p:sldId id="256" r:id="rId2"/>
+    <p:sldId id="257" r:id="rId3"/>
   </p:sldIdLst>
   <p:sldSz cx="12192000" cy="6858000"/>
   <p:notesSz cx="6858000" cy="9144000"/>
@@ -104,7 +105,433 @@
       </a:defRPr>
     </a:lvl9pPr>
   </p:defaultTextStyle>
+  <p:extLst>
+    <p:ext uri="{EFAFB233-063F-42B5-8137-9DF3F51BA10A}">
+      <p15:sldGuideLst xmlns:p15="http://schemas.microsoft.com/office/powerpoint/2012/main"/>
+    </p:ext>
+  </p:extLst>
 </p:presentation>
+</file>
+
+<file path=ppt/changesInfos/changesInfo1.xml><?xml version="1.0" encoding="utf-8"?>
+<pc:chgInfo xmlns:a="http://schemas.openxmlformats.org/drawingml/2006/main" xmlns:r="http://schemas.openxmlformats.org/officeDocument/2006/relationships" xmlns:ac="http://schemas.microsoft.com/office/drawing/2013/main/command" xmlns:pc="http://schemas.microsoft.com/office/powerpoint/2013/main/command">
+  <pc:docChgLst>
+    <pc:chgData name="Xavier Bourlot" userId="47fc410d-89db-4366-8937-9fe34022f478" providerId="ADAL" clId="{130E52A8-60FF-4B57-A89C-BFD1256AA9B3}"/>
+    <pc:docChg chg="undo custSel addSld modSld">
+      <pc:chgData name="Xavier Bourlot" userId="47fc410d-89db-4366-8937-9fe34022f478" providerId="ADAL" clId="{130E52A8-60FF-4B57-A89C-BFD1256AA9B3}" dt="2024-02-19T08:47:16.407" v="299" actId="1076"/>
+      <pc:docMkLst>
+        <pc:docMk/>
+      </pc:docMkLst>
+      <pc:sldChg chg="addSp delSp modSp new mod">
+        <pc:chgData name="Xavier Bourlot" userId="47fc410d-89db-4366-8937-9fe34022f478" providerId="ADAL" clId="{130E52A8-60FF-4B57-A89C-BFD1256AA9B3}" dt="2024-02-19T08:47:16.407" v="299" actId="1076"/>
+        <pc:sldMkLst>
+          <pc:docMk/>
+          <pc:sldMk cId="2153484359" sldId="257"/>
+        </pc:sldMkLst>
+        <pc:spChg chg="del">
+          <ac:chgData name="Xavier Bourlot" userId="47fc410d-89db-4366-8937-9fe34022f478" providerId="ADAL" clId="{130E52A8-60FF-4B57-A89C-BFD1256AA9B3}" dt="2024-02-19T08:25:26.701" v="1" actId="478"/>
+          <ac:spMkLst>
+            <pc:docMk/>
+            <pc:sldMk cId="2153484359" sldId="257"/>
+            <ac:spMk id="2" creationId="{F9B1872D-FC55-076B-A4A5-9E73DFB2F667}"/>
+          </ac:spMkLst>
+        </pc:spChg>
+        <pc:spChg chg="del">
+          <ac:chgData name="Xavier Bourlot" userId="47fc410d-89db-4366-8937-9fe34022f478" providerId="ADAL" clId="{130E52A8-60FF-4B57-A89C-BFD1256AA9B3}" dt="2024-02-19T08:25:26.701" v="1" actId="478"/>
+          <ac:spMkLst>
+            <pc:docMk/>
+            <pc:sldMk cId="2153484359" sldId="257"/>
+            <ac:spMk id="3" creationId="{B727D448-0D9B-5E36-5AEF-8DB6A89A6699}"/>
+          </ac:spMkLst>
+        </pc:spChg>
+        <pc:spChg chg="add mod">
+          <ac:chgData name="Xavier Bourlot" userId="47fc410d-89db-4366-8937-9fe34022f478" providerId="ADAL" clId="{130E52A8-60FF-4B57-A89C-BFD1256AA9B3}" dt="2024-02-19T08:39:05.628" v="137" actId="164"/>
+          <ac:spMkLst>
+            <pc:docMk/>
+            <pc:sldMk cId="2153484359" sldId="257"/>
+            <ac:spMk id="4" creationId="{BAC4A2CB-FC3C-B05D-5403-C90786799E70}"/>
+          </ac:spMkLst>
+        </pc:spChg>
+        <pc:spChg chg="add mod">
+          <ac:chgData name="Xavier Bourlot" userId="47fc410d-89db-4366-8937-9fe34022f478" providerId="ADAL" clId="{130E52A8-60FF-4B57-A89C-BFD1256AA9B3}" dt="2024-02-19T08:39:05.628" v="137" actId="164"/>
+          <ac:spMkLst>
+            <pc:docMk/>
+            <pc:sldMk cId="2153484359" sldId="257"/>
+            <ac:spMk id="7" creationId="{96BAA034-2A81-F786-3CB4-04A469DE8B3F}"/>
+          </ac:spMkLst>
+        </pc:spChg>
+        <pc:spChg chg="add mod">
+          <ac:chgData name="Xavier Bourlot" userId="47fc410d-89db-4366-8937-9fe34022f478" providerId="ADAL" clId="{130E52A8-60FF-4B57-A89C-BFD1256AA9B3}" dt="2024-02-19T08:47:16.407" v="299" actId="1076"/>
+          <ac:spMkLst>
+            <pc:docMk/>
+            <pc:sldMk cId="2153484359" sldId="257"/>
+            <ac:spMk id="8" creationId="{26C3AFC0-5D48-889A-A34F-855B619B44BF}"/>
+          </ac:spMkLst>
+        </pc:spChg>
+        <pc:spChg chg="add mod">
+          <ac:chgData name="Xavier Bourlot" userId="47fc410d-89db-4366-8937-9fe34022f478" providerId="ADAL" clId="{130E52A8-60FF-4B57-A89C-BFD1256AA9B3}" dt="2024-02-19T08:39:05.628" v="137" actId="164"/>
+          <ac:spMkLst>
+            <pc:docMk/>
+            <pc:sldMk cId="2153484359" sldId="257"/>
+            <ac:spMk id="9" creationId="{82BB2666-0BAE-DE14-B6D1-8C8ADEBDDFC4}"/>
+          </ac:spMkLst>
+        </pc:spChg>
+        <pc:spChg chg="add mod">
+          <ac:chgData name="Xavier Bourlot" userId="47fc410d-89db-4366-8937-9fe34022f478" providerId="ADAL" clId="{130E52A8-60FF-4B57-A89C-BFD1256AA9B3}" dt="2024-02-19T08:39:05.628" v="137" actId="164"/>
+          <ac:spMkLst>
+            <pc:docMk/>
+            <pc:sldMk cId="2153484359" sldId="257"/>
+            <ac:spMk id="10" creationId="{0D7DE3CC-D75E-2AEF-E3C7-F0683A97DF02}"/>
+          </ac:spMkLst>
+        </pc:spChg>
+        <pc:spChg chg="add mod">
+          <ac:chgData name="Xavier Bourlot" userId="47fc410d-89db-4366-8937-9fe34022f478" providerId="ADAL" clId="{130E52A8-60FF-4B57-A89C-BFD1256AA9B3}" dt="2024-02-19T08:39:05.628" v="137" actId="164"/>
+          <ac:spMkLst>
+            <pc:docMk/>
+            <pc:sldMk cId="2153484359" sldId="257"/>
+            <ac:spMk id="11" creationId="{C972339C-4EED-93FD-1011-5AF92690D850}"/>
+          </ac:spMkLst>
+        </pc:spChg>
+        <pc:spChg chg="add mod">
+          <ac:chgData name="Xavier Bourlot" userId="47fc410d-89db-4366-8937-9fe34022f478" providerId="ADAL" clId="{130E52A8-60FF-4B57-A89C-BFD1256AA9B3}" dt="2024-02-19T08:39:05.628" v="137" actId="164"/>
+          <ac:spMkLst>
+            <pc:docMk/>
+            <pc:sldMk cId="2153484359" sldId="257"/>
+            <ac:spMk id="12" creationId="{5FFE018B-99B1-45AD-3B60-53AFC75E4537}"/>
+          </ac:spMkLst>
+        </pc:spChg>
+        <pc:spChg chg="add mod">
+          <ac:chgData name="Xavier Bourlot" userId="47fc410d-89db-4366-8937-9fe34022f478" providerId="ADAL" clId="{130E52A8-60FF-4B57-A89C-BFD1256AA9B3}" dt="2024-02-19T08:39:05.628" v="137" actId="164"/>
+          <ac:spMkLst>
+            <pc:docMk/>
+            <pc:sldMk cId="2153484359" sldId="257"/>
+            <ac:spMk id="13" creationId="{7DC7DFE2-9F1A-7929-0703-CB5F69962CCC}"/>
+          </ac:spMkLst>
+        </pc:spChg>
+        <pc:spChg chg="add mod">
+          <ac:chgData name="Xavier Bourlot" userId="47fc410d-89db-4366-8937-9fe34022f478" providerId="ADAL" clId="{130E52A8-60FF-4B57-A89C-BFD1256AA9B3}" dt="2024-02-19T08:41:39.959" v="175" actId="1076"/>
+          <ac:spMkLst>
+            <pc:docMk/>
+            <pc:sldMk cId="2153484359" sldId="257"/>
+            <ac:spMk id="14" creationId="{630A4AEF-600B-793A-15CC-3D2A3D670BD9}"/>
+          </ac:spMkLst>
+        </pc:spChg>
+        <pc:spChg chg="mod">
+          <ac:chgData name="Xavier Bourlot" userId="47fc410d-89db-4366-8937-9fe34022f478" providerId="ADAL" clId="{130E52A8-60FF-4B57-A89C-BFD1256AA9B3}" dt="2024-02-19T08:39:15.403" v="142" actId="20577"/>
+          <ac:spMkLst>
+            <pc:docMk/>
+            <pc:sldMk cId="2153484359" sldId="257"/>
+            <ac:spMk id="17" creationId="{BADAA147-9083-B6F2-FA1D-5EBD2CD04CB4}"/>
+          </ac:spMkLst>
+        </pc:spChg>
+        <pc:spChg chg="mod">
+          <ac:chgData name="Xavier Bourlot" userId="47fc410d-89db-4366-8937-9fe34022f478" providerId="ADAL" clId="{130E52A8-60FF-4B57-A89C-BFD1256AA9B3}" dt="2024-02-19T08:39:16.715" v="143" actId="20577"/>
+          <ac:spMkLst>
+            <pc:docMk/>
+            <pc:sldMk cId="2153484359" sldId="257"/>
+            <ac:spMk id="18" creationId="{47AA5266-9854-5ABC-0EF3-1EACD915A608}"/>
+          </ac:spMkLst>
+        </pc:spChg>
+        <pc:spChg chg="mod">
+          <ac:chgData name="Xavier Bourlot" userId="47fc410d-89db-4366-8937-9fe34022f478" providerId="ADAL" clId="{130E52A8-60FF-4B57-A89C-BFD1256AA9B3}" dt="2024-02-19T08:39:18.139" v="144" actId="20577"/>
+          <ac:spMkLst>
+            <pc:docMk/>
+            <pc:sldMk cId="2153484359" sldId="257"/>
+            <ac:spMk id="19" creationId="{35E0B024-FB1A-877B-E8E8-5B3D378039B0}"/>
+          </ac:spMkLst>
+        </pc:spChg>
+        <pc:spChg chg="mod">
+          <ac:chgData name="Xavier Bourlot" userId="47fc410d-89db-4366-8937-9fe34022f478" providerId="ADAL" clId="{130E52A8-60FF-4B57-A89C-BFD1256AA9B3}" dt="2024-02-19T08:39:14.029" v="141" actId="20577"/>
+          <ac:spMkLst>
+            <pc:docMk/>
+            <pc:sldMk cId="2153484359" sldId="257"/>
+            <ac:spMk id="20" creationId="{B3066168-9263-B8B4-2B81-72A9F2E450B9}"/>
+          </ac:spMkLst>
+        </pc:spChg>
+        <pc:spChg chg="mod">
+          <ac:chgData name="Xavier Bourlot" userId="47fc410d-89db-4366-8937-9fe34022f478" providerId="ADAL" clId="{130E52A8-60FF-4B57-A89C-BFD1256AA9B3}" dt="2024-02-19T08:39:19.804" v="145" actId="20577"/>
+          <ac:spMkLst>
+            <pc:docMk/>
+            <pc:sldMk cId="2153484359" sldId="257"/>
+            <ac:spMk id="21" creationId="{1D9259A4-D8EE-30AC-C2AE-48D9B9D49782}"/>
+          </ac:spMkLst>
+        </pc:spChg>
+        <pc:spChg chg="mod">
+          <ac:chgData name="Xavier Bourlot" userId="47fc410d-89db-4366-8937-9fe34022f478" providerId="ADAL" clId="{130E52A8-60FF-4B57-A89C-BFD1256AA9B3}" dt="2024-02-19T08:39:21.262" v="146" actId="20577"/>
+          <ac:spMkLst>
+            <pc:docMk/>
+            <pc:sldMk cId="2153484359" sldId="257"/>
+            <ac:spMk id="22" creationId="{FB4C8A66-0C9F-7478-0B42-B3988F39186D}"/>
+          </ac:spMkLst>
+        </pc:spChg>
+        <pc:spChg chg="mod">
+          <ac:chgData name="Xavier Bourlot" userId="47fc410d-89db-4366-8937-9fe34022f478" providerId="ADAL" clId="{130E52A8-60FF-4B57-A89C-BFD1256AA9B3}" dt="2024-02-19T08:39:22.763" v="147" actId="20577"/>
+          <ac:spMkLst>
+            <pc:docMk/>
+            <pc:sldMk cId="2153484359" sldId="257"/>
+            <ac:spMk id="23" creationId="{D5BDA53E-504C-9A5D-1AD5-27E92B531047}"/>
+          </ac:spMkLst>
+        </pc:spChg>
+        <pc:spChg chg="add mod">
+          <ac:chgData name="Xavier Bourlot" userId="47fc410d-89db-4366-8937-9fe34022f478" providerId="ADAL" clId="{130E52A8-60FF-4B57-A89C-BFD1256AA9B3}" dt="2024-02-19T08:41:39.959" v="175" actId="1076"/>
+          <ac:spMkLst>
+            <pc:docMk/>
+            <pc:sldMk cId="2153484359" sldId="257"/>
+            <ac:spMk id="24" creationId="{F05786EF-1355-4946-30B1-EC07A9C1B4D2}"/>
+          </ac:spMkLst>
+        </pc:spChg>
+        <pc:spChg chg="mod">
+          <ac:chgData name="Xavier Bourlot" userId="47fc410d-89db-4366-8937-9fe34022f478" providerId="ADAL" clId="{130E52A8-60FF-4B57-A89C-BFD1256AA9B3}" dt="2024-02-19T08:39:56.637" v="153"/>
+          <ac:spMkLst>
+            <pc:docMk/>
+            <pc:sldMk cId="2153484359" sldId="257"/>
+            <ac:spMk id="26" creationId="{4C304FDB-6F30-CFE6-E0C1-34BDE726BEDC}"/>
+          </ac:spMkLst>
+        </pc:spChg>
+        <pc:spChg chg="mod">
+          <ac:chgData name="Xavier Bourlot" userId="47fc410d-89db-4366-8937-9fe34022f478" providerId="ADAL" clId="{130E52A8-60FF-4B57-A89C-BFD1256AA9B3}" dt="2024-02-19T08:39:56.637" v="153"/>
+          <ac:spMkLst>
+            <pc:docMk/>
+            <pc:sldMk cId="2153484359" sldId="257"/>
+            <ac:spMk id="27" creationId="{C76EA276-C625-B9B2-E9B4-7EB8AA1CF97C}"/>
+          </ac:spMkLst>
+        </pc:spChg>
+        <pc:spChg chg="mod">
+          <ac:chgData name="Xavier Bourlot" userId="47fc410d-89db-4366-8937-9fe34022f478" providerId="ADAL" clId="{130E52A8-60FF-4B57-A89C-BFD1256AA9B3}" dt="2024-02-19T08:39:56.637" v="153"/>
+          <ac:spMkLst>
+            <pc:docMk/>
+            <pc:sldMk cId="2153484359" sldId="257"/>
+            <ac:spMk id="28" creationId="{366E58B6-B77C-BA5A-B3A8-1D675C35BDF7}"/>
+          </ac:spMkLst>
+        </pc:spChg>
+        <pc:spChg chg="mod">
+          <ac:chgData name="Xavier Bourlot" userId="47fc410d-89db-4366-8937-9fe34022f478" providerId="ADAL" clId="{130E52A8-60FF-4B57-A89C-BFD1256AA9B3}" dt="2024-02-19T08:39:56.637" v="153"/>
+          <ac:spMkLst>
+            <pc:docMk/>
+            <pc:sldMk cId="2153484359" sldId="257"/>
+            <ac:spMk id="29" creationId="{8DB3917D-92D5-173D-23EC-E03B95318907}"/>
+          </ac:spMkLst>
+        </pc:spChg>
+        <pc:spChg chg="mod">
+          <ac:chgData name="Xavier Bourlot" userId="47fc410d-89db-4366-8937-9fe34022f478" providerId="ADAL" clId="{130E52A8-60FF-4B57-A89C-BFD1256AA9B3}" dt="2024-02-19T08:39:56.637" v="153"/>
+          <ac:spMkLst>
+            <pc:docMk/>
+            <pc:sldMk cId="2153484359" sldId="257"/>
+            <ac:spMk id="30" creationId="{53E4857B-9CB2-5705-643E-88DEC81DC1CB}"/>
+          </ac:spMkLst>
+        </pc:spChg>
+        <pc:spChg chg="mod">
+          <ac:chgData name="Xavier Bourlot" userId="47fc410d-89db-4366-8937-9fe34022f478" providerId="ADAL" clId="{130E52A8-60FF-4B57-A89C-BFD1256AA9B3}" dt="2024-02-19T08:39:56.637" v="153"/>
+          <ac:spMkLst>
+            <pc:docMk/>
+            <pc:sldMk cId="2153484359" sldId="257"/>
+            <ac:spMk id="31" creationId="{B1C24484-3D1A-86DE-2D45-A6C1F1F03563}"/>
+          </ac:spMkLst>
+        </pc:spChg>
+        <pc:spChg chg="mod">
+          <ac:chgData name="Xavier Bourlot" userId="47fc410d-89db-4366-8937-9fe34022f478" providerId="ADAL" clId="{130E52A8-60FF-4B57-A89C-BFD1256AA9B3}" dt="2024-02-19T08:39:56.637" v="153"/>
+          <ac:spMkLst>
+            <pc:docMk/>
+            <pc:sldMk cId="2153484359" sldId="257"/>
+            <ac:spMk id="32" creationId="{D6E07B7D-6A57-6A3D-0038-0CB3C7E49870}"/>
+          </ac:spMkLst>
+        </pc:spChg>
+        <pc:spChg chg="add mod">
+          <ac:chgData name="Xavier Bourlot" userId="47fc410d-89db-4366-8937-9fe34022f478" providerId="ADAL" clId="{130E52A8-60FF-4B57-A89C-BFD1256AA9B3}" dt="2024-02-19T08:41:39.959" v="175" actId="1076"/>
+          <ac:spMkLst>
+            <pc:docMk/>
+            <pc:sldMk cId="2153484359" sldId="257"/>
+            <ac:spMk id="33" creationId="{B9B8EA23-BA8C-393B-D8E1-C407C6E33BE3}"/>
+          </ac:spMkLst>
+        </pc:spChg>
+        <pc:spChg chg="add mod">
+          <ac:chgData name="Xavier Bourlot" userId="47fc410d-89db-4366-8937-9fe34022f478" providerId="ADAL" clId="{130E52A8-60FF-4B57-A89C-BFD1256AA9B3}" dt="2024-02-19T08:41:39.959" v="175" actId="1076"/>
+          <ac:spMkLst>
+            <pc:docMk/>
+            <pc:sldMk cId="2153484359" sldId="257"/>
+            <ac:spMk id="34" creationId="{19A1DB3C-022D-2734-CCEC-66837F69FB83}"/>
+          </ac:spMkLst>
+        </pc:spChg>
+        <pc:spChg chg="add mod">
+          <ac:chgData name="Xavier Bourlot" userId="47fc410d-89db-4366-8937-9fe34022f478" providerId="ADAL" clId="{130E52A8-60FF-4B57-A89C-BFD1256AA9B3}" dt="2024-02-19T08:41:39.959" v="175" actId="1076"/>
+          <ac:spMkLst>
+            <pc:docMk/>
+            <pc:sldMk cId="2153484359" sldId="257"/>
+            <ac:spMk id="35" creationId="{AA76A7F0-1BE8-DB67-DC04-68C62B9291DF}"/>
+          </ac:spMkLst>
+        </pc:spChg>
+        <pc:spChg chg="add mod">
+          <ac:chgData name="Xavier Bourlot" userId="47fc410d-89db-4366-8937-9fe34022f478" providerId="ADAL" clId="{130E52A8-60FF-4B57-A89C-BFD1256AA9B3}" dt="2024-02-19T08:41:39.959" v="175" actId="1076"/>
+          <ac:spMkLst>
+            <pc:docMk/>
+            <pc:sldMk cId="2153484359" sldId="257"/>
+            <ac:spMk id="36" creationId="{D8BBA4F0-945E-DC1E-DF07-3D10F02FD7FE}"/>
+          </ac:spMkLst>
+        </pc:spChg>
+        <pc:spChg chg="add mod">
+          <ac:chgData name="Xavier Bourlot" userId="47fc410d-89db-4366-8937-9fe34022f478" providerId="ADAL" clId="{130E52A8-60FF-4B57-A89C-BFD1256AA9B3}" dt="2024-02-19T08:41:39.959" v="175" actId="1076"/>
+          <ac:spMkLst>
+            <pc:docMk/>
+            <pc:sldMk cId="2153484359" sldId="257"/>
+            <ac:spMk id="37" creationId="{FEDA84A0-0D75-0DA3-FF80-D20CED08ADFE}"/>
+          </ac:spMkLst>
+        </pc:spChg>
+        <pc:spChg chg="add mod">
+          <ac:chgData name="Xavier Bourlot" userId="47fc410d-89db-4366-8937-9fe34022f478" providerId="ADAL" clId="{130E52A8-60FF-4B57-A89C-BFD1256AA9B3}" dt="2024-02-19T08:43:17.060" v="230" actId="20577"/>
+          <ac:spMkLst>
+            <pc:docMk/>
+            <pc:sldMk cId="2153484359" sldId="257"/>
+            <ac:spMk id="38" creationId="{2316D44A-2486-2127-69F6-2311FDEE33DD}"/>
+          </ac:spMkLst>
+        </pc:spChg>
+        <pc:spChg chg="mod">
+          <ac:chgData name="Xavier Bourlot" userId="47fc410d-89db-4366-8937-9fe34022f478" providerId="ADAL" clId="{130E52A8-60FF-4B57-A89C-BFD1256AA9B3}" dt="2024-02-19T08:41:25.949" v="173"/>
+          <ac:spMkLst>
+            <pc:docMk/>
+            <pc:sldMk cId="2153484359" sldId="257"/>
+            <ac:spMk id="40" creationId="{D40F6C3A-A032-7D5A-8070-F9420F8984D8}"/>
+          </ac:spMkLst>
+        </pc:spChg>
+        <pc:spChg chg="mod">
+          <ac:chgData name="Xavier Bourlot" userId="47fc410d-89db-4366-8937-9fe34022f478" providerId="ADAL" clId="{130E52A8-60FF-4B57-A89C-BFD1256AA9B3}" dt="2024-02-19T08:46:56.828" v="273" actId="20577"/>
+          <ac:spMkLst>
+            <pc:docMk/>
+            <pc:sldMk cId="2153484359" sldId="257"/>
+            <ac:spMk id="41" creationId="{3E05F01F-30D3-0496-7831-67ED4E589795}"/>
+          </ac:spMkLst>
+        </pc:spChg>
+        <pc:spChg chg="mod">
+          <ac:chgData name="Xavier Bourlot" userId="47fc410d-89db-4366-8937-9fe34022f478" providerId="ADAL" clId="{130E52A8-60FF-4B57-A89C-BFD1256AA9B3}" dt="2024-02-19T08:41:25.949" v="173"/>
+          <ac:spMkLst>
+            <pc:docMk/>
+            <pc:sldMk cId="2153484359" sldId="257"/>
+            <ac:spMk id="42" creationId="{DFFCB1DC-083B-821C-D952-7EC466C18C52}"/>
+          </ac:spMkLst>
+        </pc:spChg>
+        <pc:spChg chg="mod">
+          <ac:chgData name="Xavier Bourlot" userId="47fc410d-89db-4366-8937-9fe34022f478" providerId="ADAL" clId="{130E52A8-60FF-4B57-A89C-BFD1256AA9B3}" dt="2024-02-19T08:46:49.134" v="264" actId="20577"/>
+          <ac:spMkLst>
+            <pc:docMk/>
+            <pc:sldMk cId="2153484359" sldId="257"/>
+            <ac:spMk id="43" creationId="{0C7490E3-55B4-76A0-A07E-EF7A1F1EB4B0}"/>
+          </ac:spMkLst>
+        </pc:spChg>
+        <pc:spChg chg="mod">
+          <ac:chgData name="Xavier Bourlot" userId="47fc410d-89db-4366-8937-9fe34022f478" providerId="ADAL" clId="{130E52A8-60FF-4B57-A89C-BFD1256AA9B3}" dt="2024-02-19T08:47:04.877" v="287" actId="20577"/>
+          <ac:spMkLst>
+            <pc:docMk/>
+            <pc:sldMk cId="2153484359" sldId="257"/>
+            <ac:spMk id="44" creationId="{42094E91-5A8E-DE39-C79B-90516D695D23}"/>
+          </ac:spMkLst>
+        </pc:spChg>
+        <pc:spChg chg="mod">
+          <ac:chgData name="Xavier Bourlot" userId="47fc410d-89db-4366-8937-9fe34022f478" providerId="ADAL" clId="{130E52A8-60FF-4B57-A89C-BFD1256AA9B3}" dt="2024-02-19T08:41:25.949" v="173"/>
+          <ac:spMkLst>
+            <pc:docMk/>
+            <pc:sldMk cId="2153484359" sldId="257"/>
+            <ac:spMk id="45" creationId="{CBD734B6-E8FE-B16B-82DB-A39FC2B71F3A}"/>
+          </ac:spMkLst>
+        </pc:spChg>
+        <pc:spChg chg="mod">
+          <ac:chgData name="Xavier Bourlot" userId="47fc410d-89db-4366-8937-9fe34022f478" providerId="ADAL" clId="{130E52A8-60FF-4B57-A89C-BFD1256AA9B3}" dt="2024-02-19T08:47:09.614" v="298" actId="20577"/>
+          <ac:spMkLst>
+            <pc:docMk/>
+            <pc:sldMk cId="2153484359" sldId="257"/>
+            <ac:spMk id="46" creationId="{9EBFF0FC-B0FC-7CBC-7897-B206CC465949}"/>
+          </ac:spMkLst>
+        </pc:spChg>
+        <pc:spChg chg="add mod">
+          <ac:chgData name="Xavier Bourlot" userId="47fc410d-89db-4366-8937-9fe34022f478" providerId="ADAL" clId="{130E52A8-60FF-4B57-A89C-BFD1256AA9B3}" dt="2024-02-19T08:44:29.015" v="240" actId="1036"/>
+          <ac:spMkLst>
+            <pc:docMk/>
+            <pc:sldMk cId="2153484359" sldId="257"/>
+            <ac:spMk id="47" creationId="{795A657B-2630-EF00-0731-0E6FD2DC1A95}"/>
+          </ac:spMkLst>
+        </pc:spChg>
+        <pc:spChg chg="add mod">
+          <ac:chgData name="Xavier Bourlot" userId="47fc410d-89db-4366-8937-9fe34022f478" providerId="ADAL" clId="{130E52A8-60FF-4B57-A89C-BFD1256AA9B3}" dt="2024-02-19T08:44:38.231" v="242" actId="1076"/>
+          <ac:spMkLst>
+            <pc:docMk/>
+            <pc:sldMk cId="2153484359" sldId="257"/>
+            <ac:spMk id="48" creationId="{0EE6F547-A8E6-39BC-B6ED-43F18E78E28C}"/>
+          </ac:spMkLst>
+        </pc:spChg>
+        <pc:spChg chg="add mod">
+          <ac:chgData name="Xavier Bourlot" userId="47fc410d-89db-4366-8937-9fe34022f478" providerId="ADAL" clId="{130E52A8-60FF-4B57-A89C-BFD1256AA9B3}" dt="2024-02-19T08:46:02.398" v="251" actId="14100"/>
+          <ac:spMkLst>
+            <pc:docMk/>
+            <pc:sldMk cId="2153484359" sldId="257"/>
+            <ac:spMk id="49" creationId="{5C651666-7764-F694-BAE9-3223AE6BB3CA}"/>
+          </ac:spMkLst>
+        </pc:spChg>
+        <pc:spChg chg="add mod">
+          <ac:chgData name="Xavier Bourlot" userId="47fc410d-89db-4366-8937-9fe34022f478" providerId="ADAL" clId="{130E52A8-60FF-4B57-A89C-BFD1256AA9B3}" dt="2024-02-19T08:46:33.271" v="255" actId="1076"/>
+          <ac:spMkLst>
+            <pc:docMk/>
+            <pc:sldMk cId="2153484359" sldId="257"/>
+            <ac:spMk id="50" creationId="{91BD20CD-6AB7-0201-99C5-F825D08C9F14}"/>
+          </ac:spMkLst>
+        </pc:spChg>
+        <pc:spChg chg="add mod">
+          <ac:chgData name="Xavier Bourlot" userId="47fc410d-89db-4366-8937-9fe34022f478" providerId="ADAL" clId="{130E52A8-60FF-4B57-A89C-BFD1256AA9B3}" dt="2024-02-19T08:46:33.271" v="255" actId="1076"/>
+          <ac:spMkLst>
+            <pc:docMk/>
+            <pc:sldMk cId="2153484359" sldId="257"/>
+            <ac:spMk id="51" creationId="{42B6778A-E1A5-B319-E13D-A883F8AE548B}"/>
+          </ac:spMkLst>
+        </pc:spChg>
+        <pc:spChg chg="add mod">
+          <ac:chgData name="Xavier Bourlot" userId="47fc410d-89db-4366-8937-9fe34022f478" providerId="ADAL" clId="{130E52A8-60FF-4B57-A89C-BFD1256AA9B3}" dt="2024-02-19T08:46:33.271" v="255" actId="1076"/>
+          <ac:spMkLst>
+            <pc:docMk/>
+            <pc:sldMk cId="2153484359" sldId="257"/>
+            <ac:spMk id="52" creationId="{683B61EC-CCAE-7968-4C1D-6F29BC11A858}"/>
+          </ac:spMkLst>
+        </pc:spChg>
+        <pc:grpChg chg="add mod">
+          <ac:chgData name="Xavier Bourlot" userId="47fc410d-89db-4366-8937-9fe34022f478" providerId="ADAL" clId="{130E52A8-60FF-4B57-A89C-BFD1256AA9B3}" dt="2024-02-19T08:41:39.959" v="175" actId="1076"/>
+          <ac:grpSpMkLst>
+            <pc:docMk/>
+            <pc:sldMk cId="2153484359" sldId="257"/>
+            <ac:grpSpMk id="15" creationId="{005336CB-9FCE-604A-A9F9-BB38A0A92CBC}"/>
+          </ac:grpSpMkLst>
+        </pc:grpChg>
+        <pc:grpChg chg="add mod">
+          <ac:chgData name="Xavier Bourlot" userId="47fc410d-89db-4366-8937-9fe34022f478" providerId="ADAL" clId="{130E52A8-60FF-4B57-A89C-BFD1256AA9B3}" dt="2024-02-19T08:41:39.959" v="175" actId="1076"/>
+          <ac:grpSpMkLst>
+            <pc:docMk/>
+            <pc:sldMk cId="2153484359" sldId="257"/>
+            <ac:grpSpMk id="16" creationId="{CB57FEC5-B72A-F96D-0176-B4441C61CA09}"/>
+          </ac:grpSpMkLst>
+        </pc:grpChg>
+        <pc:grpChg chg="add mod">
+          <ac:chgData name="Xavier Bourlot" userId="47fc410d-89db-4366-8937-9fe34022f478" providerId="ADAL" clId="{130E52A8-60FF-4B57-A89C-BFD1256AA9B3}" dt="2024-02-19T08:41:39.959" v="175" actId="1076"/>
+          <ac:grpSpMkLst>
+            <pc:docMk/>
+            <pc:sldMk cId="2153484359" sldId="257"/>
+            <ac:grpSpMk id="25" creationId="{E551360C-F148-1720-4534-3623FD969DDA}"/>
+          </ac:grpSpMkLst>
+        </pc:grpChg>
+        <pc:grpChg chg="add mod">
+          <ac:chgData name="Xavier Bourlot" userId="47fc410d-89db-4366-8937-9fe34022f478" providerId="ADAL" clId="{130E52A8-60FF-4B57-A89C-BFD1256AA9B3}" dt="2024-02-19T08:41:39.959" v="175" actId="1076"/>
+          <ac:grpSpMkLst>
+            <pc:docMk/>
+            <pc:sldMk cId="2153484359" sldId="257"/>
+            <ac:grpSpMk id="39" creationId="{60859011-7CEA-6B08-7D59-5666AC4A8868}"/>
+          </ac:grpSpMkLst>
+        </pc:grpChg>
+        <pc:picChg chg="add del mod">
+          <ac:chgData name="Xavier Bourlot" userId="47fc410d-89db-4366-8937-9fe34022f478" providerId="ADAL" clId="{130E52A8-60FF-4B57-A89C-BFD1256AA9B3}" dt="2024-02-19T08:37:26.567" v="126" actId="478"/>
+          <ac:picMkLst>
+            <pc:docMk/>
+            <pc:sldMk cId="2153484359" sldId="257"/>
+            <ac:picMk id="6" creationId="{93824CAB-0DA0-A3FB-792E-E000F36FA8C6}"/>
+          </ac:picMkLst>
+        </pc:picChg>
+      </pc:sldChg>
+    </pc:docChg>
+  </pc:docChgLst>
+</pc:chgInfo>
 </file>
 
 <file path=ppt/slideLayouts/slideLayout1.xml><?xml version="1.0" encoding="utf-8"?>
@@ -254,7 +681,7 @@
           <a:p>
             <a:fld id="{6A005FE7-8710-4913-9D85-01912AB43DD6}" type="datetimeFigureOut">
               <a:rPr lang="en-US" smtClean="0"/>
-              <a:t>1/25/2024</a:t>
+              <a:t>2/19/2024</a:t>
             </a:fld>
             <a:endParaRPr lang="en-US"/>
           </a:p>
@@ -452,7 +879,7 @@
           <a:p>
             <a:fld id="{6A005FE7-8710-4913-9D85-01912AB43DD6}" type="datetimeFigureOut">
               <a:rPr lang="en-US" smtClean="0"/>
-              <a:t>1/25/2024</a:t>
+              <a:t>2/19/2024</a:t>
             </a:fld>
             <a:endParaRPr lang="en-US"/>
           </a:p>
@@ -660,7 +1087,7 @@
           <a:p>
             <a:fld id="{6A005FE7-8710-4913-9D85-01912AB43DD6}" type="datetimeFigureOut">
               <a:rPr lang="en-US" smtClean="0"/>
-              <a:t>1/25/2024</a:t>
+              <a:t>2/19/2024</a:t>
             </a:fld>
             <a:endParaRPr lang="en-US"/>
           </a:p>
@@ -858,7 +1285,7 @@
           <a:p>
             <a:fld id="{6A005FE7-8710-4913-9D85-01912AB43DD6}" type="datetimeFigureOut">
               <a:rPr lang="en-US" smtClean="0"/>
-              <a:t>1/25/2024</a:t>
+              <a:t>2/19/2024</a:t>
             </a:fld>
             <a:endParaRPr lang="en-US"/>
           </a:p>
@@ -1133,7 +1560,7 @@
           <a:p>
             <a:fld id="{6A005FE7-8710-4913-9D85-01912AB43DD6}" type="datetimeFigureOut">
               <a:rPr lang="en-US" smtClean="0"/>
-              <a:t>1/25/2024</a:t>
+              <a:t>2/19/2024</a:t>
             </a:fld>
             <a:endParaRPr lang="en-US"/>
           </a:p>
@@ -1398,7 +1825,7 @@
           <a:p>
             <a:fld id="{6A005FE7-8710-4913-9D85-01912AB43DD6}" type="datetimeFigureOut">
               <a:rPr lang="en-US" smtClean="0"/>
-              <a:t>1/25/2024</a:t>
+              <a:t>2/19/2024</a:t>
             </a:fld>
             <a:endParaRPr lang="en-US"/>
           </a:p>
@@ -1810,7 +2237,7 @@
           <a:p>
             <a:fld id="{6A005FE7-8710-4913-9D85-01912AB43DD6}" type="datetimeFigureOut">
               <a:rPr lang="en-US" smtClean="0"/>
-              <a:t>1/25/2024</a:t>
+              <a:t>2/19/2024</a:t>
             </a:fld>
             <a:endParaRPr lang="en-US"/>
           </a:p>
@@ -1951,7 +2378,7 @@
           <a:p>
             <a:fld id="{6A005FE7-8710-4913-9D85-01912AB43DD6}" type="datetimeFigureOut">
               <a:rPr lang="en-US" smtClean="0"/>
-              <a:t>1/25/2024</a:t>
+              <a:t>2/19/2024</a:t>
             </a:fld>
             <a:endParaRPr lang="en-US"/>
           </a:p>
@@ -2064,7 +2491,7 @@
           <a:p>
             <a:fld id="{6A005FE7-8710-4913-9D85-01912AB43DD6}" type="datetimeFigureOut">
               <a:rPr lang="en-US" smtClean="0"/>
-              <a:t>1/25/2024</a:t>
+              <a:t>2/19/2024</a:t>
             </a:fld>
             <a:endParaRPr lang="en-US"/>
           </a:p>
@@ -2375,7 +2802,7 @@
           <a:p>
             <a:fld id="{6A005FE7-8710-4913-9D85-01912AB43DD6}" type="datetimeFigureOut">
               <a:rPr lang="en-US" smtClean="0"/>
-              <a:t>1/25/2024</a:t>
+              <a:t>2/19/2024</a:t>
             </a:fld>
             <a:endParaRPr lang="en-US"/>
           </a:p>
@@ -2663,7 +3090,7 @@
           <a:p>
             <a:fld id="{6A005FE7-8710-4913-9D85-01912AB43DD6}" type="datetimeFigureOut">
               <a:rPr lang="en-US" smtClean="0"/>
-              <a:t>1/25/2024</a:t>
+              <a:t>2/19/2024</a:t>
             </a:fld>
             <a:endParaRPr lang="en-US"/>
           </a:p>
@@ -2904,7 +3331,7 @@
           <a:p>
             <a:fld id="{6A005FE7-8710-4913-9D85-01912AB43DD6}" type="datetimeFigureOut">
               <a:rPr lang="en-US" smtClean="0"/>
-              <a:t>1/25/2024</a:t>
+              <a:t>2/19/2024</a:t>
             </a:fld>
             <a:endParaRPr lang="en-US"/>
           </a:p>
@@ -4352,6 +4779,2365 @@
 </p:sld>
 </file>
 
+<file path=ppt/slides/slide2.xml><?xml version="1.0" encoding="utf-8"?>
+<p:sld xmlns:a="http://schemas.openxmlformats.org/drawingml/2006/main" xmlns:r="http://schemas.openxmlformats.org/officeDocument/2006/relationships" xmlns:p="http://schemas.openxmlformats.org/presentationml/2006/main">
+  <p:cSld>
+    <p:spTree>
+      <p:nvGrpSpPr>
+        <p:cNvPr id="1" name=""/>
+        <p:cNvGrpSpPr/>
+        <p:nvPr/>
+      </p:nvGrpSpPr>
+      <p:grpSpPr>
+        <a:xfrm>
+          <a:off x="0" y="0"/>
+          <a:ext cx="0" cy="0"/>
+          <a:chOff x="0" y="0"/>
+          <a:chExt cx="0" cy="0"/>
+        </a:xfrm>
+      </p:grpSpPr>
+      <p:sp>
+        <p:nvSpPr>
+          <p:cNvPr id="8" name="TextBox 7">
+            <a:extLst>
+              <a:ext uri="{FF2B5EF4-FFF2-40B4-BE49-F238E27FC236}">
+                <a16:creationId xmlns:a16="http://schemas.microsoft.com/office/drawing/2014/main" id="{26C3AFC0-5D48-889A-A34F-855B619B44BF}"/>
+              </a:ext>
+            </a:extLst>
+          </p:cNvPr>
+          <p:cNvSpPr txBox="1"/>
+          <p:nvPr/>
+        </p:nvSpPr>
+        <p:spPr>
+          <a:xfrm>
+            <a:off x="184349" y="6069308"/>
+            <a:ext cx="3459473" cy="369332"/>
+          </a:xfrm>
+          <a:prstGeom prst="rect">
+            <a:avLst/>
+          </a:prstGeom>
+          <a:noFill/>
+        </p:spPr>
+        <p:txBody>
+          <a:bodyPr wrap="none" rtlCol="0">
+            <a:spAutoFit/>
+          </a:bodyPr>
+          <a:lstStyle/>
+          <a:p>
+            <a:r>
+              <a:rPr lang="en-US" dirty="0"/>
+              <a:t>Dielectric strength : 30kV/mm min.</a:t>
+            </a:r>
+          </a:p>
+        </p:txBody>
+      </p:sp>
+      <p:grpSp>
+        <p:nvGrpSpPr>
+          <p:cNvPr id="15" name="Group 14">
+            <a:extLst>
+              <a:ext uri="{FF2B5EF4-FFF2-40B4-BE49-F238E27FC236}">
+                <a16:creationId xmlns:a16="http://schemas.microsoft.com/office/drawing/2014/main" id="{005336CB-9FCE-604A-A9F9-BB38A0A92CBC}"/>
+              </a:ext>
+            </a:extLst>
+          </p:cNvPr>
+          <p:cNvGrpSpPr/>
+          <p:nvPr/>
+        </p:nvGrpSpPr>
+        <p:grpSpPr>
+          <a:xfrm>
+            <a:off x="184349" y="1400772"/>
+            <a:ext cx="2979979" cy="3129576"/>
+            <a:chOff x="494741" y="700386"/>
+            <a:chExt cx="2979979" cy="3129576"/>
+          </a:xfrm>
+        </p:grpSpPr>
+        <p:sp>
+          <p:nvSpPr>
+            <p:cNvPr id="4" name="Rectangle 3">
+              <a:extLst>
+                <a:ext uri="{FF2B5EF4-FFF2-40B4-BE49-F238E27FC236}">
+                  <a16:creationId xmlns:a16="http://schemas.microsoft.com/office/drawing/2014/main" id="{BAC4A2CB-FC3C-B05D-5403-C90786799E70}"/>
+                </a:ext>
+              </a:extLst>
+            </p:cNvPr>
+            <p:cNvSpPr/>
+            <p:nvPr/>
+          </p:nvSpPr>
+          <p:spPr>
+            <a:xfrm>
+              <a:off x="494741" y="964531"/>
+              <a:ext cx="2979979" cy="578841"/>
+            </a:xfrm>
+            <a:prstGeom prst="rect">
+              <a:avLst/>
+            </a:prstGeom>
+            <a:solidFill>
+              <a:srgbClr val="57AF65"/>
+            </a:solidFill>
+            <a:ln>
+              <a:noFill/>
+            </a:ln>
+          </p:spPr>
+          <p:style>
+            <a:lnRef idx="2">
+              <a:schemeClr val="accent1">
+                <a:shade val="50000"/>
+              </a:schemeClr>
+            </a:lnRef>
+            <a:fillRef idx="1">
+              <a:schemeClr val="accent1"/>
+            </a:fillRef>
+            <a:effectRef idx="0">
+              <a:schemeClr val="accent1"/>
+            </a:effectRef>
+            <a:fontRef idx="minor">
+              <a:schemeClr val="lt1"/>
+            </a:fontRef>
+          </p:style>
+          <p:txBody>
+            <a:bodyPr rtlCol="0" anchor="ctr"/>
+            <a:lstStyle/>
+            <a:p>
+              <a:r>
+                <a:rPr lang="en-US" dirty="0"/>
+                <a:t>Prepreg 7628 0.21mm</a:t>
+              </a:r>
+            </a:p>
+          </p:txBody>
+        </p:sp>
+        <p:sp>
+          <p:nvSpPr>
+            <p:cNvPr id="7" name="Rectangle 6">
+              <a:extLst>
+                <a:ext uri="{FF2B5EF4-FFF2-40B4-BE49-F238E27FC236}">
+                  <a16:creationId xmlns:a16="http://schemas.microsoft.com/office/drawing/2014/main" id="{96BAA034-2A81-F786-3CB4-04A469DE8B3F}"/>
+                </a:ext>
+              </a:extLst>
+            </p:cNvPr>
+            <p:cNvSpPr/>
+            <p:nvPr/>
+          </p:nvSpPr>
+          <p:spPr>
+            <a:xfrm>
+              <a:off x="494741" y="1543372"/>
+              <a:ext cx="2979979" cy="201119"/>
+            </a:xfrm>
+            <a:prstGeom prst="rect">
+              <a:avLst/>
+            </a:prstGeom>
+            <a:solidFill>
+              <a:srgbClr val="FFC501"/>
+            </a:solidFill>
+            <a:ln>
+              <a:noFill/>
+            </a:ln>
+          </p:spPr>
+          <p:style>
+            <a:lnRef idx="2">
+              <a:schemeClr val="accent1">
+                <a:shade val="50000"/>
+              </a:schemeClr>
+            </a:lnRef>
+            <a:fillRef idx="1">
+              <a:schemeClr val="accent1"/>
+            </a:fillRef>
+            <a:effectRef idx="0">
+              <a:schemeClr val="accent1"/>
+            </a:effectRef>
+            <a:fontRef idx="minor">
+              <a:schemeClr val="lt1"/>
+            </a:fontRef>
+          </p:style>
+          <p:txBody>
+            <a:bodyPr rtlCol="0" anchor="ctr"/>
+            <a:lstStyle/>
+            <a:p>
+              <a:r>
+                <a:rPr lang="en-US" dirty="0"/>
+                <a:t>L2 copper 0.5oz</a:t>
+              </a:r>
+            </a:p>
+          </p:txBody>
+        </p:sp>
+        <p:sp>
+          <p:nvSpPr>
+            <p:cNvPr id="9" name="Rectangle 8">
+              <a:extLst>
+                <a:ext uri="{FF2B5EF4-FFF2-40B4-BE49-F238E27FC236}">
+                  <a16:creationId xmlns:a16="http://schemas.microsoft.com/office/drawing/2014/main" id="{82BB2666-0BAE-DE14-B6D1-8C8ADEBDDFC4}"/>
+                </a:ext>
+              </a:extLst>
+            </p:cNvPr>
+            <p:cNvSpPr/>
+            <p:nvPr/>
+          </p:nvSpPr>
+          <p:spPr>
+            <a:xfrm>
+              <a:off x="494741" y="1741321"/>
+              <a:ext cx="2979979" cy="1052385"/>
+            </a:xfrm>
+            <a:prstGeom prst="rect">
+              <a:avLst/>
+            </a:prstGeom>
+            <a:solidFill>
+              <a:srgbClr val="57AF65"/>
+            </a:solidFill>
+            <a:ln>
+              <a:noFill/>
+            </a:ln>
+          </p:spPr>
+          <p:style>
+            <a:lnRef idx="2">
+              <a:schemeClr val="accent1">
+                <a:shade val="50000"/>
+              </a:schemeClr>
+            </a:lnRef>
+            <a:fillRef idx="1">
+              <a:schemeClr val="accent1"/>
+            </a:fillRef>
+            <a:effectRef idx="0">
+              <a:schemeClr val="accent1"/>
+            </a:effectRef>
+            <a:fontRef idx="minor">
+              <a:schemeClr val="lt1"/>
+            </a:fontRef>
+          </p:style>
+          <p:txBody>
+            <a:bodyPr rtlCol="0" anchor="ctr"/>
+            <a:lstStyle/>
+            <a:p>
+              <a:r>
+                <a:rPr lang="en-US" dirty="0"/>
+                <a:t>Core 0.6mm</a:t>
+              </a:r>
+            </a:p>
+          </p:txBody>
+        </p:sp>
+        <p:sp>
+          <p:nvSpPr>
+            <p:cNvPr id="10" name="Rectangle 9">
+              <a:extLst>
+                <a:ext uri="{FF2B5EF4-FFF2-40B4-BE49-F238E27FC236}">
+                  <a16:creationId xmlns:a16="http://schemas.microsoft.com/office/drawing/2014/main" id="{0D7DE3CC-D75E-2AEF-E3C7-F0683A97DF02}"/>
+                </a:ext>
+              </a:extLst>
+            </p:cNvPr>
+            <p:cNvSpPr/>
+            <p:nvPr/>
+          </p:nvSpPr>
+          <p:spPr>
+            <a:xfrm>
+              <a:off x="494741" y="700386"/>
+              <a:ext cx="2979979" cy="268447"/>
+            </a:xfrm>
+            <a:prstGeom prst="rect">
+              <a:avLst/>
+            </a:prstGeom>
+            <a:solidFill>
+              <a:srgbClr val="FFC501"/>
+            </a:solidFill>
+            <a:ln>
+              <a:noFill/>
+            </a:ln>
+          </p:spPr>
+          <p:style>
+            <a:lnRef idx="2">
+              <a:schemeClr val="accent1">
+                <a:shade val="50000"/>
+              </a:schemeClr>
+            </a:lnRef>
+            <a:fillRef idx="1">
+              <a:schemeClr val="accent1"/>
+            </a:fillRef>
+            <a:effectRef idx="0">
+              <a:schemeClr val="accent1"/>
+            </a:effectRef>
+            <a:fontRef idx="minor">
+              <a:schemeClr val="lt1"/>
+            </a:fontRef>
+          </p:style>
+          <p:txBody>
+            <a:bodyPr rtlCol="0" anchor="ctr"/>
+            <a:lstStyle/>
+            <a:p>
+              <a:r>
+                <a:rPr lang="en-US" dirty="0"/>
+                <a:t>L1 copper 1oz</a:t>
+              </a:r>
+            </a:p>
+          </p:txBody>
+        </p:sp>
+        <p:sp>
+          <p:nvSpPr>
+            <p:cNvPr id="11" name="Rectangle 10">
+              <a:extLst>
+                <a:ext uri="{FF2B5EF4-FFF2-40B4-BE49-F238E27FC236}">
+                  <a16:creationId xmlns:a16="http://schemas.microsoft.com/office/drawing/2014/main" id="{C972339C-4EED-93FD-1011-5AF92690D850}"/>
+                </a:ext>
+              </a:extLst>
+            </p:cNvPr>
+            <p:cNvSpPr/>
+            <p:nvPr/>
+          </p:nvSpPr>
+          <p:spPr>
+            <a:xfrm>
+              <a:off x="494741" y="2790536"/>
+              <a:ext cx="2979979" cy="201119"/>
+            </a:xfrm>
+            <a:prstGeom prst="rect">
+              <a:avLst/>
+            </a:prstGeom>
+            <a:solidFill>
+              <a:srgbClr val="FFC501"/>
+            </a:solidFill>
+            <a:ln>
+              <a:noFill/>
+            </a:ln>
+          </p:spPr>
+          <p:style>
+            <a:lnRef idx="2">
+              <a:schemeClr val="accent1">
+                <a:shade val="50000"/>
+              </a:schemeClr>
+            </a:lnRef>
+            <a:fillRef idx="1">
+              <a:schemeClr val="accent1"/>
+            </a:fillRef>
+            <a:effectRef idx="0">
+              <a:schemeClr val="accent1"/>
+            </a:effectRef>
+            <a:fontRef idx="minor">
+              <a:schemeClr val="lt1"/>
+            </a:fontRef>
+          </p:style>
+          <p:txBody>
+            <a:bodyPr rtlCol="0" anchor="ctr"/>
+            <a:lstStyle/>
+            <a:p>
+              <a:r>
+                <a:rPr lang="en-US" dirty="0"/>
+                <a:t>L2 copper 0.5oz</a:t>
+              </a:r>
+            </a:p>
+          </p:txBody>
+        </p:sp>
+        <p:sp>
+          <p:nvSpPr>
+            <p:cNvPr id="12" name="Rectangle 11">
+              <a:extLst>
+                <a:ext uri="{FF2B5EF4-FFF2-40B4-BE49-F238E27FC236}">
+                  <a16:creationId xmlns:a16="http://schemas.microsoft.com/office/drawing/2014/main" id="{5FFE018B-99B1-45AD-3B60-53AFC75E4537}"/>
+                </a:ext>
+              </a:extLst>
+            </p:cNvPr>
+            <p:cNvSpPr/>
+            <p:nvPr/>
+          </p:nvSpPr>
+          <p:spPr>
+            <a:xfrm>
+              <a:off x="494741" y="2990523"/>
+              <a:ext cx="2979979" cy="578841"/>
+            </a:xfrm>
+            <a:prstGeom prst="rect">
+              <a:avLst/>
+            </a:prstGeom>
+            <a:solidFill>
+              <a:srgbClr val="57AF65"/>
+            </a:solidFill>
+            <a:ln>
+              <a:noFill/>
+            </a:ln>
+          </p:spPr>
+          <p:style>
+            <a:lnRef idx="2">
+              <a:schemeClr val="accent1">
+                <a:shade val="50000"/>
+              </a:schemeClr>
+            </a:lnRef>
+            <a:fillRef idx="1">
+              <a:schemeClr val="accent1"/>
+            </a:fillRef>
+            <a:effectRef idx="0">
+              <a:schemeClr val="accent1"/>
+            </a:effectRef>
+            <a:fontRef idx="minor">
+              <a:schemeClr val="lt1"/>
+            </a:fontRef>
+          </p:style>
+          <p:txBody>
+            <a:bodyPr rtlCol="0" anchor="ctr"/>
+            <a:lstStyle/>
+            <a:p>
+              <a:r>
+                <a:rPr lang="en-US" dirty="0"/>
+                <a:t>Prepreg 7628 0.21mm</a:t>
+              </a:r>
+            </a:p>
+          </p:txBody>
+        </p:sp>
+        <p:sp>
+          <p:nvSpPr>
+            <p:cNvPr id="13" name="Rectangle 12">
+              <a:extLst>
+                <a:ext uri="{FF2B5EF4-FFF2-40B4-BE49-F238E27FC236}">
+                  <a16:creationId xmlns:a16="http://schemas.microsoft.com/office/drawing/2014/main" id="{7DC7DFE2-9F1A-7929-0703-CB5F69962CCC}"/>
+                </a:ext>
+              </a:extLst>
+            </p:cNvPr>
+            <p:cNvSpPr/>
+            <p:nvPr/>
+          </p:nvSpPr>
+          <p:spPr>
+            <a:xfrm>
+              <a:off x="494741" y="3561515"/>
+              <a:ext cx="2979979" cy="268447"/>
+            </a:xfrm>
+            <a:prstGeom prst="rect">
+              <a:avLst/>
+            </a:prstGeom>
+            <a:solidFill>
+              <a:srgbClr val="FFC501"/>
+            </a:solidFill>
+            <a:ln>
+              <a:noFill/>
+            </a:ln>
+          </p:spPr>
+          <p:style>
+            <a:lnRef idx="2">
+              <a:schemeClr val="accent1">
+                <a:shade val="50000"/>
+              </a:schemeClr>
+            </a:lnRef>
+            <a:fillRef idx="1">
+              <a:schemeClr val="accent1"/>
+            </a:fillRef>
+            <a:effectRef idx="0">
+              <a:schemeClr val="accent1"/>
+            </a:effectRef>
+            <a:fontRef idx="minor">
+              <a:schemeClr val="lt1"/>
+            </a:fontRef>
+          </p:style>
+          <p:txBody>
+            <a:bodyPr rtlCol="0" anchor="ctr"/>
+            <a:lstStyle/>
+            <a:p>
+              <a:r>
+                <a:rPr lang="en-US" dirty="0"/>
+                <a:t>L1 copper 1oz</a:t>
+              </a:r>
+            </a:p>
+          </p:txBody>
+        </p:sp>
+      </p:grpSp>
+      <p:sp>
+        <p:nvSpPr>
+          <p:cNvPr id="14" name="Rectangle 13">
+            <a:extLst>
+              <a:ext uri="{FF2B5EF4-FFF2-40B4-BE49-F238E27FC236}">
+                <a16:creationId xmlns:a16="http://schemas.microsoft.com/office/drawing/2014/main" id="{630A4AEF-600B-793A-15CC-3D2A3D670BD9}"/>
+              </a:ext>
+            </a:extLst>
+          </p:cNvPr>
+          <p:cNvSpPr/>
+          <p:nvPr/>
+        </p:nvSpPr>
+        <p:spPr>
+          <a:xfrm>
+            <a:off x="3248148" y="2967899"/>
+            <a:ext cx="922020" cy="2529840"/>
+          </a:xfrm>
+          <a:prstGeom prst="rect">
+            <a:avLst/>
+          </a:prstGeom>
+          <a:solidFill>
+            <a:schemeClr val="tx1">
+              <a:lumMod val="65000"/>
+              <a:lumOff val="35000"/>
+            </a:schemeClr>
+          </a:solidFill>
+          <a:ln>
+            <a:noFill/>
+          </a:ln>
+        </p:spPr>
+        <p:style>
+          <a:lnRef idx="2">
+            <a:schemeClr val="accent1">
+              <a:shade val="50000"/>
+            </a:schemeClr>
+          </a:lnRef>
+          <a:fillRef idx="1">
+            <a:schemeClr val="accent1"/>
+          </a:fillRef>
+          <a:effectRef idx="0">
+            <a:schemeClr val="accent1"/>
+          </a:effectRef>
+          <a:fontRef idx="minor">
+            <a:schemeClr val="lt1"/>
+          </a:fontRef>
+        </p:style>
+        <p:txBody>
+          <a:bodyPr rtlCol="0" anchor="ctr"/>
+          <a:lstStyle/>
+          <a:p>
+            <a:pPr algn="ctr"/>
+            <a:endParaRPr lang="en-US"/>
+          </a:p>
+        </p:txBody>
+      </p:sp>
+      <p:grpSp>
+        <p:nvGrpSpPr>
+          <p:cNvPr id="16" name="Group 15">
+            <a:extLst>
+              <a:ext uri="{FF2B5EF4-FFF2-40B4-BE49-F238E27FC236}">
+                <a16:creationId xmlns:a16="http://schemas.microsoft.com/office/drawing/2014/main" id="{CB57FEC5-B72A-F96D-0176-B4441C61CA09}"/>
+              </a:ext>
+            </a:extLst>
+          </p:cNvPr>
+          <p:cNvGrpSpPr/>
+          <p:nvPr/>
+        </p:nvGrpSpPr>
+        <p:grpSpPr>
+          <a:xfrm>
+            <a:off x="4253989" y="1400772"/>
+            <a:ext cx="1897380" cy="3129576"/>
+            <a:chOff x="494741" y="700386"/>
+            <a:chExt cx="2979979" cy="3129576"/>
+          </a:xfrm>
+        </p:grpSpPr>
+        <p:sp>
+          <p:nvSpPr>
+            <p:cNvPr id="17" name="Rectangle 16">
+              <a:extLst>
+                <a:ext uri="{FF2B5EF4-FFF2-40B4-BE49-F238E27FC236}">
+                  <a16:creationId xmlns:a16="http://schemas.microsoft.com/office/drawing/2014/main" id="{BADAA147-9083-B6F2-FA1D-5EBD2CD04CB4}"/>
+                </a:ext>
+              </a:extLst>
+            </p:cNvPr>
+            <p:cNvSpPr/>
+            <p:nvPr/>
+          </p:nvSpPr>
+          <p:spPr>
+            <a:xfrm>
+              <a:off x="494741" y="964531"/>
+              <a:ext cx="2979979" cy="578841"/>
+            </a:xfrm>
+            <a:prstGeom prst="rect">
+              <a:avLst/>
+            </a:prstGeom>
+            <a:solidFill>
+              <a:srgbClr val="57AF65"/>
+            </a:solidFill>
+            <a:ln>
+              <a:noFill/>
+            </a:ln>
+          </p:spPr>
+          <p:style>
+            <a:lnRef idx="2">
+              <a:schemeClr val="accent1">
+                <a:shade val="50000"/>
+              </a:schemeClr>
+            </a:lnRef>
+            <a:fillRef idx="1">
+              <a:schemeClr val="accent1"/>
+            </a:fillRef>
+            <a:effectRef idx="0">
+              <a:schemeClr val="accent1"/>
+            </a:effectRef>
+            <a:fontRef idx="minor">
+              <a:schemeClr val="lt1"/>
+            </a:fontRef>
+          </p:style>
+          <p:txBody>
+            <a:bodyPr rtlCol="0" anchor="ctr"/>
+            <a:lstStyle/>
+            <a:p>
+              <a:endParaRPr lang="en-US" dirty="0"/>
+            </a:p>
+          </p:txBody>
+        </p:sp>
+        <p:sp>
+          <p:nvSpPr>
+            <p:cNvPr id="18" name="Rectangle 17">
+              <a:extLst>
+                <a:ext uri="{FF2B5EF4-FFF2-40B4-BE49-F238E27FC236}">
+                  <a16:creationId xmlns:a16="http://schemas.microsoft.com/office/drawing/2014/main" id="{47AA5266-9854-5ABC-0EF3-1EACD915A608}"/>
+                </a:ext>
+              </a:extLst>
+            </p:cNvPr>
+            <p:cNvSpPr/>
+            <p:nvPr/>
+          </p:nvSpPr>
+          <p:spPr>
+            <a:xfrm>
+              <a:off x="494741" y="1543372"/>
+              <a:ext cx="2979979" cy="201119"/>
+            </a:xfrm>
+            <a:prstGeom prst="rect">
+              <a:avLst/>
+            </a:prstGeom>
+            <a:solidFill>
+              <a:srgbClr val="FFC501"/>
+            </a:solidFill>
+            <a:ln>
+              <a:noFill/>
+            </a:ln>
+          </p:spPr>
+          <p:style>
+            <a:lnRef idx="2">
+              <a:schemeClr val="accent1">
+                <a:shade val="50000"/>
+              </a:schemeClr>
+            </a:lnRef>
+            <a:fillRef idx="1">
+              <a:schemeClr val="accent1"/>
+            </a:fillRef>
+            <a:effectRef idx="0">
+              <a:schemeClr val="accent1"/>
+            </a:effectRef>
+            <a:fontRef idx="minor">
+              <a:schemeClr val="lt1"/>
+            </a:fontRef>
+          </p:style>
+          <p:txBody>
+            <a:bodyPr rtlCol="0" anchor="ctr"/>
+            <a:lstStyle/>
+            <a:p>
+              <a:endParaRPr lang="en-US" dirty="0"/>
+            </a:p>
+          </p:txBody>
+        </p:sp>
+        <p:sp>
+          <p:nvSpPr>
+            <p:cNvPr id="19" name="Rectangle 18">
+              <a:extLst>
+                <a:ext uri="{FF2B5EF4-FFF2-40B4-BE49-F238E27FC236}">
+                  <a16:creationId xmlns:a16="http://schemas.microsoft.com/office/drawing/2014/main" id="{35E0B024-FB1A-877B-E8E8-5B3D378039B0}"/>
+                </a:ext>
+              </a:extLst>
+            </p:cNvPr>
+            <p:cNvSpPr/>
+            <p:nvPr/>
+          </p:nvSpPr>
+          <p:spPr>
+            <a:xfrm>
+              <a:off x="494741" y="1741321"/>
+              <a:ext cx="2979979" cy="1052385"/>
+            </a:xfrm>
+            <a:prstGeom prst="rect">
+              <a:avLst/>
+            </a:prstGeom>
+            <a:solidFill>
+              <a:srgbClr val="57AF65"/>
+            </a:solidFill>
+            <a:ln>
+              <a:noFill/>
+            </a:ln>
+          </p:spPr>
+          <p:style>
+            <a:lnRef idx="2">
+              <a:schemeClr val="accent1">
+                <a:shade val="50000"/>
+              </a:schemeClr>
+            </a:lnRef>
+            <a:fillRef idx="1">
+              <a:schemeClr val="accent1"/>
+            </a:fillRef>
+            <a:effectRef idx="0">
+              <a:schemeClr val="accent1"/>
+            </a:effectRef>
+            <a:fontRef idx="minor">
+              <a:schemeClr val="lt1"/>
+            </a:fontRef>
+          </p:style>
+          <p:txBody>
+            <a:bodyPr rtlCol="0" anchor="ctr"/>
+            <a:lstStyle/>
+            <a:p>
+              <a:endParaRPr lang="en-US" dirty="0"/>
+            </a:p>
+          </p:txBody>
+        </p:sp>
+        <p:sp>
+          <p:nvSpPr>
+            <p:cNvPr id="20" name="Rectangle 19">
+              <a:extLst>
+                <a:ext uri="{FF2B5EF4-FFF2-40B4-BE49-F238E27FC236}">
+                  <a16:creationId xmlns:a16="http://schemas.microsoft.com/office/drawing/2014/main" id="{B3066168-9263-B8B4-2B81-72A9F2E450B9}"/>
+                </a:ext>
+              </a:extLst>
+            </p:cNvPr>
+            <p:cNvSpPr/>
+            <p:nvPr/>
+          </p:nvSpPr>
+          <p:spPr>
+            <a:xfrm>
+              <a:off x="494741" y="700386"/>
+              <a:ext cx="2979979" cy="268447"/>
+            </a:xfrm>
+            <a:prstGeom prst="rect">
+              <a:avLst/>
+            </a:prstGeom>
+            <a:solidFill>
+              <a:srgbClr val="FFC501"/>
+            </a:solidFill>
+            <a:ln>
+              <a:noFill/>
+            </a:ln>
+          </p:spPr>
+          <p:style>
+            <a:lnRef idx="2">
+              <a:schemeClr val="accent1">
+                <a:shade val="50000"/>
+              </a:schemeClr>
+            </a:lnRef>
+            <a:fillRef idx="1">
+              <a:schemeClr val="accent1"/>
+            </a:fillRef>
+            <a:effectRef idx="0">
+              <a:schemeClr val="accent1"/>
+            </a:effectRef>
+            <a:fontRef idx="minor">
+              <a:schemeClr val="lt1"/>
+            </a:fontRef>
+          </p:style>
+          <p:txBody>
+            <a:bodyPr rtlCol="0" anchor="ctr"/>
+            <a:lstStyle/>
+            <a:p>
+              <a:endParaRPr lang="en-US" dirty="0"/>
+            </a:p>
+          </p:txBody>
+        </p:sp>
+        <p:sp>
+          <p:nvSpPr>
+            <p:cNvPr id="21" name="Rectangle 20">
+              <a:extLst>
+                <a:ext uri="{FF2B5EF4-FFF2-40B4-BE49-F238E27FC236}">
+                  <a16:creationId xmlns:a16="http://schemas.microsoft.com/office/drawing/2014/main" id="{1D9259A4-D8EE-30AC-C2AE-48D9B9D49782}"/>
+                </a:ext>
+              </a:extLst>
+            </p:cNvPr>
+            <p:cNvSpPr/>
+            <p:nvPr/>
+          </p:nvSpPr>
+          <p:spPr>
+            <a:xfrm>
+              <a:off x="494741" y="2790536"/>
+              <a:ext cx="2979979" cy="201119"/>
+            </a:xfrm>
+            <a:prstGeom prst="rect">
+              <a:avLst/>
+            </a:prstGeom>
+            <a:solidFill>
+              <a:srgbClr val="FFC501"/>
+            </a:solidFill>
+            <a:ln>
+              <a:noFill/>
+            </a:ln>
+          </p:spPr>
+          <p:style>
+            <a:lnRef idx="2">
+              <a:schemeClr val="accent1">
+                <a:shade val="50000"/>
+              </a:schemeClr>
+            </a:lnRef>
+            <a:fillRef idx="1">
+              <a:schemeClr val="accent1"/>
+            </a:fillRef>
+            <a:effectRef idx="0">
+              <a:schemeClr val="accent1"/>
+            </a:effectRef>
+            <a:fontRef idx="minor">
+              <a:schemeClr val="lt1"/>
+            </a:fontRef>
+          </p:style>
+          <p:txBody>
+            <a:bodyPr rtlCol="0" anchor="ctr"/>
+            <a:lstStyle/>
+            <a:p>
+              <a:endParaRPr lang="en-US" dirty="0"/>
+            </a:p>
+          </p:txBody>
+        </p:sp>
+        <p:sp>
+          <p:nvSpPr>
+            <p:cNvPr id="22" name="Rectangle 21">
+              <a:extLst>
+                <a:ext uri="{FF2B5EF4-FFF2-40B4-BE49-F238E27FC236}">
+                  <a16:creationId xmlns:a16="http://schemas.microsoft.com/office/drawing/2014/main" id="{FB4C8A66-0C9F-7478-0B42-B3988F39186D}"/>
+                </a:ext>
+              </a:extLst>
+            </p:cNvPr>
+            <p:cNvSpPr/>
+            <p:nvPr/>
+          </p:nvSpPr>
+          <p:spPr>
+            <a:xfrm>
+              <a:off x="494741" y="2990523"/>
+              <a:ext cx="2979979" cy="578841"/>
+            </a:xfrm>
+            <a:prstGeom prst="rect">
+              <a:avLst/>
+            </a:prstGeom>
+            <a:solidFill>
+              <a:srgbClr val="57AF65"/>
+            </a:solidFill>
+            <a:ln>
+              <a:noFill/>
+            </a:ln>
+          </p:spPr>
+          <p:style>
+            <a:lnRef idx="2">
+              <a:schemeClr val="accent1">
+                <a:shade val="50000"/>
+              </a:schemeClr>
+            </a:lnRef>
+            <a:fillRef idx="1">
+              <a:schemeClr val="accent1"/>
+            </a:fillRef>
+            <a:effectRef idx="0">
+              <a:schemeClr val="accent1"/>
+            </a:effectRef>
+            <a:fontRef idx="minor">
+              <a:schemeClr val="lt1"/>
+            </a:fontRef>
+          </p:style>
+          <p:txBody>
+            <a:bodyPr rtlCol="0" anchor="ctr"/>
+            <a:lstStyle/>
+            <a:p>
+              <a:endParaRPr lang="en-US" dirty="0"/>
+            </a:p>
+          </p:txBody>
+        </p:sp>
+        <p:sp>
+          <p:nvSpPr>
+            <p:cNvPr id="23" name="Rectangle 22">
+              <a:extLst>
+                <a:ext uri="{FF2B5EF4-FFF2-40B4-BE49-F238E27FC236}">
+                  <a16:creationId xmlns:a16="http://schemas.microsoft.com/office/drawing/2014/main" id="{D5BDA53E-504C-9A5D-1AD5-27E92B531047}"/>
+                </a:ext>
+              </a:extLst>
+            </p:cNvPr>
+            <p:cNvSpPr/>
+            <p:nvPr/>
+          </p:nvSpPr>
+          <p:spPr>
+            <a:xfrm>
+              <a:off x="494741" y="3561515"/>
+              <a:ext cx="2979979" cy="268447"/>
+            </a:xfrm>
+            <a:prstGeom prst="rect">
+              <a:avLst/>
+            </a:prstGeom>
+            <a:solidFill>
+              <a:srgbClr val="FFC501"/>
+            </a:solidFill>
+            <a:ln>
+              <a:noFill/>
+            </a:ln>
+          </p:spPr>
+          <p:style>
+            <a:lnRef idx="2">
+              <a:schemeClr val="accent1">
+                <a:shade val="50000"/>
+              </a:schemeClr>
+            </a:lnRef>
+            <a:fillRef idx="1">
+              <a:schemeClr val="accent1"/>
+            </a:fillRef>
+            <a:effectRef idx="0">
+              <a:schemeClr val="accent1"/>
+            </a:effectRef>
+            <a:fontRef idx="minor">
+              <a:schemeClr val="lt1"/>
+            </a:fontRef>
+          </p:style>
+          <p:txBody>
+            <a:bodyPr rtlCol="0" anchor="ctr"/>
+            <a:lstStyle/>
+            <a:p>
+              <a:endParaRPr lang="en-US" dirty="0"/>
+            </a:p>
+          </p:txBody>
+        </p:sp>
+      </p:grpSp>
+      <p:sp>
+        <p:nvSpPr>
+          <p:cNvPr id="24" name="Rectangle 23">
+            <a:extLst>
+              <a:ext uri="{FF2B5EF4-FFF2-40B4-BE49-F238E27FC236}">
+                <a16:creationId xmlns:a16="http://schemas.microsoft.com/office/drawing/2014/main" id="{F05786EF-1355-4946-30B1-EC07A9C1B4D2}"/>
+              </a:ext>
+            </a:extLst>
+          </p:cNvPr>
+          <p:cNvSpPr/>
+          <p:nvPr/>
+        </p:nvSpPr>
+        <p:spPr>
+          <a:xfrm>
+            <a:off x="6235190" y="3018433"/>
+            <a:ext cx="922020" cy="2479305"/>
+          </a:xfrm>
+          <a:prstGeom prst="rect">
+            <a:avLst/>
+          </a:prstGeom>
+          <a:solidFill>
+            <a:schemeClr val="tx1">
+              <a:lumMod val="65000"/>
+              <a:lumOff val="35000"/>
+            </a:schemeClr>
+          </a:solidFill>
+          <a:ln>
+            <a:noFill/>
+          </a:ln>
+        </p:spPr>
+        <p:style>
+          <a:lnRef idx="2">
+            <a:schemeClr val="accent1">
+              <a:shade val="50000"/>
+            </a:schemeClr>
+          </a:lnRef>
+          <a:fillRef idx="1">
+            <a:schemeClr val="accent1"/>
+          </a:fillRef>
+          <a:effectRef idx="0">
+            <a:schemeClr val="accent1"/>
+          </a:effectRef>
+          <a:fontRef idx="minor">
+            <a:schemeClr val="lt1"/>
+          </a:fontRef>
+        </p:style>
+        <p:txBody>
+          <a:bodyPr rtlCol="0" anchor="ctr"/>
+          <a:lstStyle/>
+          <a:p>
+            <a:pPr algn="ctr"/>
+            <a:endParaRPr lang="en-US"/>
+          </a:p>
+        </p:txBody>
+      </p:sp>
+      <p:grpSp>
+        <p:nvGrpSpPr>
+          <p:cNvPr id="25" name="Group 24">
+            <a:extLst>
+              <a:ext uri="{FF2B5EF4-FFF2-40B4-BE49-F238E27FC236}">
+                <a16:creationId xmlns:a16="http://schemas.microsoft.com/office/drawing/2014/main" id="{E551360C-F148-1720-4534-3623FD969DDA}"/>
+              </a:ext>
+            </a:extLst>
+          </p:cNvPr>
+          <p:cNvGrpSpPr/>
+          <p:nvPr/>
+        </p:nvGrpSpPr>
+        <p:grpSpPr>
+          <a:xfrm>
+            <a:off x="7241030" y="1403111"/>
+            <a:ext cx="1897380" cy="3129576"/>
+            <a:chOff x="494741" y="700386"/>
+            <a:chExt cx="2979979" cy="3129576"/>
+          </a:xfrm>
+        </p:grpSpPr>
+        <p:sp>
+          <p:nvSpPr>
+            <p:cNvPr id="26" name="Rectangle 25">
+              <a:extLst>
+                <a:ext uri="{FF2B5EF4-FFF2-40B4-BE49-F238E27FC236}">
+                  <a16:creationId xmlns:a16="http://schemas.microsoft.com/office/drawing/2014/main" id="{4C304FDB-6F30-CFE6-E0C1-34BDE726BEDC}"/>
+                </a:ext>
+              </a:extLst>
+            </p:cNvPr>
+            <p:cNvSpPr/>
+            <p:nvPr/>
+          </p:nvSpPr>
+          <p:spPr>
+            <a:xfrm>
+              <a:off x="494741" y="964531"/>
+              <a:ext cx="2979979" cy="578841"/>
+            </a:xfrm>
+            <a:prstGeom prst="rect">
+              <a:avLst/>
+            </a:prstGeom>
+            <a:solidFill>
+              <a:srgbClr val="57AF65"/>
+            </a:solidFill>
+            <a:ln>
+              <a:noFill/>
+            </a:ln>
+          </p:spPr>
+          <p:style>
+            <a:lnRef idx="2">
+              <a:schemeClr val="accent1">
+                <a:shade val="50000"/>
+              </a:schemeClr>
+            </a:lnRef>
+            <a:fillRef idx="1">
+              <a:schemeClr val="accent1"/>
+            </a:fillRef>
+            <a:effectRef idx="0">
+              <a:schemeClr val="accent1"/>
+            </a:effectRef>
+            <a:fontRef idx="minor">
+              <a:schemeClr val="lt1"/>
+            </a:fontRef>
+          </p:style>
+          <p:txBody>
+            <a:bodyPr rtlCol="0" anchor="ctr"/>
+            <a:lstStyle/>
+            <a:p>
+              <a:endParaRPr lang="en-US" dirty="0"/>
+            </a:p>
+          </p:txBody>
+        </p:sp>
+        <p:sp>
+          <p:nvSpPr>
+            <p:cNvPr id="27" name="Rectangle 26">
+              <a:extLst>
+                <a:ext uri="{FF2B5EF4-FFF2-40B4-BE49-F238E27FC236}">
+                  <a16:creationId xmlns:a16="http://schemas.microsoft.com/office/drawing/2014/main" id="{C76EA276-C625-B9B2-E9B4-7EB8AA1CF97C}"/>
+                </a:ext>
+              </a:extLst>
+            </p:cNvPr>
+            <p:cNvSpPr/>
+            <p:nvPr/>
+          </p:nvSpPr>
+          <p:spPr>
+            <a:xfrm>
+              <a:off x="494741" y="1543372"/>
+              <a:ext cx="2979979" cy="201119"/>
+            </a:xfrm>
+            <a:prstGeom prst="rect">
+              <a:avLst/>
+            </a:prstGeom>
+            <a:solidFill>
+              <a:srgbClr val="FFC501"/>
+            </a:solidFill>
+            <a:ln>
+              <a:noFill/>
+            </a:ln>
+          </p:spPr>
+          <p:style>
+            <a:lnRef idx="2">
+              <a:schemeClr val="accent1">
+                <a:shade val="50000"/>
+              </a:schemeClr>
+            </a:lnRef>
+            <a:fillRef idx="1">
+              <a:schemeClr val="accent1"/>
+            </a:fillRef>
+            <a:effectRef idx="0">
+              <a:schemeClr val="accent1"/>
+            </a:effectRef>
+            <a:fontRef idx="minor">
+              <a:schemeClr val="lt1"/>
+            </a:fontRef>
+          </p:style>
+          <p:txBody>
+            <a:bodyPr rtlCol="0" anchor="ctr"/>
+            <a:lstStyle/>
+            <a:p>
+              <a:endParaRPr lang="en-US" dirty="0"/>
+            </a:p>
+          </p:txBody>
+        </p:sp>
+        <p:sp>
+          <p:nvSpPr>
+            <p:cNvPr id="28" name="Rectangle 27">
+              <a:extLst>
+                <a:ext uri="{FF2B5EF4-FFF2-40B4-BE49-F238E27FC236}">
+                  <a16:creationId xmlns:a16="http://schemas.microsoft.com/office/drawing/2014/main" id="{366E58B6-B77C-BA5A-B3A8-1D675C35BDF7}"/>
+                </a:ext>
+              </a:extLst>
+            </p:cNvPr>
+            <p:cNvSpPr/>
+            <p:nvPr/>
+          </p:nvSpPr>
+          <p:spPr>
+            <a:xfrm>
+              <a:off x="494741" y="1741321"/>
+              <a:ext cx="2979979" cy="1052385"/>
+            </a:xfrm>
+            <a:prstGeom prst="rect">
+              <a:avLst/>
+            </a:prstGeom>
+            <a:solidFill>
+              <a:srgbClr val="57AF65"/>
+            </a:solidFill>
+            <a:ln>
+              <a:noFill/>
+            </a:ln>
+          </p:spPr>
+          <p:style>
+            <a:lnRef idx="2">
+              <a:schemeClr val="accent1">
+                <a:shade val="50000"/>
+              </a:schemeClr>
+            </a:lnRef>
+            <a:fillRef idx="1">
+              <a:schemeClr val="accent1"/>
+            </a:fillRef>
+            <a:effectRef idx="0">
+              <a:schemeClr val="accent1"/>
+            </a:effectRef>
+            <a:fontRef idx="minor">
+              <a:schemeClr val="lt1"/>
+            </a:fontRef>
+          </p:style>
+          <p:txBody>
+            <a:bodyPr rtlCol="0" anchor="ctr"/>
+            <a:lstStyle/>
+            <a:p>
+              <a:endParaRPr lang="en-US" dirty="0"/>
+            </a:p>
+          </p:txBody>
+        </p:sp>
+        <p:sp>
+          <p:nvSpPr>
+            <p:cNvPr id="29" name="Rectangle 28">
+              <a:extLst>
+                <a:ext uri="{FF2B5EF4-FFF2-40B4-BE49-F238E27FC236}">
+                  <a16:creationId xmlns:a16="http://schemas.microsoft.com/office/drawing/2014/main" id="{8DB3917D-92D5-173D-23EC-E03B95318907}"/>
+                </a:ext>
+              </a:extLst>
+            </p:cNvPr>
+            <p:cNvSpPr/>
+            <p:nvPr/>
+          </p:nvSpPr>
+          <p:spPr>
+            <a:xfrm>
+              <a:off x="494741" y="700386"/>
+              <a:ext cx="2979979" cy="268447"/>
+            </a:xfrm>
+            <a:prstGeom prst="rect">
+              <a:avLst/>
+            </a:prstGeom>
+            <a:solidFill>
+              <a:srgbClr val="FFC501"/>
+            </a:solidFill>
+            <a:ln>
+              <a:noFill/>
+            </a:ln>
+          </p:spPr>
+          <p:style>
+            <a:lnRef idx="2">
+              <a:schemeClr val="accent1">
+                <a:shade val="50000"/>
+              </a:schemeClr>
+            </a:lnRef>
+            <a:fillRef idx="1">
+              <a:schemeClr val="accent1"/>
+            </a:fillRef>
+            <a:effectRef idx="0">
+              <a:schemeClr val="accent1"/>
+            </a:effectRef>
+            <a:fontRef idx="minor">
+              <a:schemeClr val="lt1"/>
+            </a:fontRef>
+          </p:style>
+          <p:txBody>
+            <a:bodyPr rtlCol="0" anchor="ctr"/>
+            <a:lstStyle/>
+            <a:p>
+              <a:endParaRPr lang="en-US" dirty="0"/>
+            </a:p>
+          </p:txBody>
+        </p:sp>
+        <p:sp>
+          <p:nvSpPr>
+            <p:cNvPr id="30" name="Rectangle 29">
+              <a:extLst>
+                <a:ext uri="{FF2B5EF4-FFF2-40B4-BE49-F238E27FC236}">
+                  <a16:creationId xmlns:a16="http://schemas.microsoft.com/office/drawing/2014/main" id="{53E4857B-9CB2-5705-643E-88DEC81DC1CB}"/>
+                </a:ext>
+              </a:extLst>
+            </p:cNvPr>
+            <p:cNvSpPr/>
+            <p:nvPr/>
+          </p:nvSpPr>
+          <p:spPr>
+            <a:xfrm>
+              <a:off x="494741" y="2790536"/>
+              <a:ext cx="2979979" cy="201119"/>
+            </a:xfrm>
+            <a:prstGeom prst="rect">
+              <a:avLst/>
+            </a:prstGeom>
+            <a:solidFill>
+              <a:srgbClr val="FFC501"/>
+            </a:solidFill>
+            <a:ln>
+              <a:noFill/>
+            </a:ln>
+          </p:spPr>
+          <p:style>
+            <a:lnRef idx="2">
+              <a:schemeClr val="accent1">
+                <a:shade val="50000"/>
+              </a:schemeClr>
+            </a:lnRef>
+            <a:fillRef idx="1">
+              <a:schemeClr val="accent1"/>
+            </a:fillRef>
+            <a:effectRef idx="0">
+              <a:schemeClr val="accent1"/>
+            </a:effectRef>
+            <a:fontRef idx="minor">
+              <a:schemeClr val="lt1"/>
+            </a:fontRef>
+          </p:style>
+          <p:txBody>
+            <a:bodyPr rtlCol="0" anchor="ctr"/>
+            <a:lstStyle/>
+            <a:p>
+              <a:endParaRPr lang="en-US" dirty="0"/>
+            </a:p>
+          </p:txBody>
+        </p:sp>
+        <p:sp>
+          <p:nvSpPr>
+            <p:cNvPr id="31" name="Rectangle 30">
+              <a:extLst>
+                <a:ext uri="{FF2B5EF4-FFF2-40B4-BE49-F238E27FC236}">
+                  <a16:creationId xmlns:a16="http://schemas.microsoft.com/office/drawing/2014/main" id="{B1C24484-3D1A-86DE-2D45-A6C1F1F03563}"/>
+                </a:ext>
+              </a:extLst>
+            </p:cNvPr>
+            <p:cNvSpPr/>
+            <p:nvPr/>
+          </p:nvSpPr>
+          <p:spPr>
+            <a:xfrm>
+              <a:off x="494741" y="2990523"/>
+              <a:ext cx="2979979" cy="578841"/>
+            </a:xfrm>
+            <a:prstGeom prst="rect">
+              <a:avLst/>
+            </a:prstGeom>
+            <a:solidFill>
+              <a:srgbClr val="57AF65"/>
+            </a:solidFill>
+            <a:ln>
+              <a:noFill/>
+            </a:ln>
+          </p:spPr>
+          <p:style>
+            <a:lnRef idx="2">
+              <a:schemeClr val="accent1">
+                <a:shade val="50000"/>
+              </a:schemeClr>
+            </a:lnRef>
+            <a:fillRef idx="1">
+              <a:schemeClr val="accent1"/>
+            </a:fillRef>
+            <a:effectRef idx="0">
+              <a:schemeClr val="accent1"/>
+            </a:effectRef>
+            <a:fontRef idx="minor">
+              <a:schemeClr val="lt1"/>
+            </a:fontRef>
+          </p:style>
+          <p:txBody>
+            <a:bodyPr rtlCol="0" anchor="ctr"/>
+            <a:lstStyle/>
+            <a:p>
+              <a:endParaRPr lang="en-US" dirty="0"/>
+            </a:p>
+          </p:txBody>
+        </p:sp>
+        <p:sp>
+          <p:nvSpPr>
+            <p:cNvPr id="32" name="Rectangle 31">
+              <a:extLst>
+                <a:ext uri="{FF2B5EF4-FFF2-40B4-BE49-F238E27FC236}">
+                  <a16:creationId xmlns:a16="http://schemas.microsoft.com/office/drawing/2014/main" id="{D6E07B7D-6A57-6A3D-0038-0CB3C7E49870}"/>
+                </a:ext>
+              </a:extLst>
+            </p:cNvPr>
+            <p:cNvSpPr/>
+            <p:nvPr/>
+          </p:nvSpPr>
+          <p:spPr>
+            <a:xfrm>
+              <a:off x="494741" y="3561515"/>
+              <a:ext cx="2979979" cy="268447"/>
+            </a:xfrm>
+            <a:prstGeom prst="rect">
+              <a:avLst/>
+            </a:prstGeom>
+            <a:solidFill>
+              <a:srgbClr val="FFC501"/>
+            </a:solidFill>
+            <a:ln>
+              <a:noFill/>
+            </a:ln>
+          </p:spPr>
+          <p:style>
+            <a:lnRef idx="2">
+              <a:schemeClr val="accent1">
+                <a:shade val="50000"/>
+              </a:schemeClr>
+            </a:lnRef>
+            <a:fillRef idx="1">
+              <a:schemeClr val="accent1"/>
+            </a:fillRef>
+            <a:effectRef idx="0">
+              <a:schemeClr val="accent1"/>
+            </a:effectRef>
+            <a:fontRef idx="minor">
+              <a:schemeClr val="lt1"/>
+            </a:fontRef>
+          </p:style>
+          <p:txBody>
+            <a:bodyPr rtlCol="0" anchor="ctr"/>
+            <a:lstStyle/>
+            <a:p>
+              <a:endParaRPr lang="en-US" dirty="0"/>
+            </a:p>
+          </p:txBody>
+        </p:sp>
+      </p:grpSp>
+      <p:sp>
+        <p:nvSpPr>
+          <p:cNvPr id="33" name="Rectangle 32">
+            <a:extLst>
+              <a:ext uri="{FF2B5EF4-FFF2-40B4-BE49-F238E27FC236}">
+                <a16:creationId xmlns:a16="http://schemas.microsoft.com/office/drawing/2014/main" id="{B9B8EA23-BA8C-393B-D8E1-C407C6E33BE3}"/>
+              </a:ext>
+            </a:extLst>
+          </p:cNvPr>
+          <p:cNvSpPr/>
+          <p:nvPr/>
+        </p:nvSpPr>
+        <p:spPr>
+          <a:xfrm>
+            <a:off x="9222230" y="2967899"/>
+            <a:ext cx="922020" cy="2529840"/>
+          </a:xfrm>
+          <a:prstGeom prst="rect">
+            <a:avLst/>
+          </a:prstGeom>
+          <a:solidFill>
+            <a:schemeClr val="tx1">
+              <a:lumMod val="65000"/>
+              <a:lumOff val="35000"/>
+            </a:schemeClr>
+          </a:solidFill>
+          <a:ln>
+            <a:noFill/>
+          </a:ln>
+        </p:spPr>
+        <p:style>
+          <a:lnRef idx="2">
+            <a:schemeClr val="accent1">
+              <a:shade val="50000"/>
+            </a:schemeClr>
+          </a:lnRef>
+          <a:fillRef idx="1">
+            <a:schemeClr val="accent1"/>
+          </a:fillRef>
+          <a:effectRef idx="0">
+            <a:schemeClr val="accent1"/>
+          </a:effectRef>
+          <a:fontRef idx="minor">
+            <a:schemeClr val="lt1"/>
+          </a:fontRef>
+        </p:style>
+        <p:txBody>
+          <a:bodyPr rtlCol="0" anchor="ctr"/>
+          <a:lstStyle/>
+          <a:p>
+            <a:pPr algn="ctr"/>
+            <a:endParaRPr lang="en-US"/>
+          </a:p>
+        </p:txBody>
+      </p:sp>
+      <p:sp>
+        <p:nvSpPr>
+          <p:cNvPr id="34" name="Rectangle 33">
+            <a:extLst>
+              <a:ext uri="{FF2B5EF4-FFF2-40B4-BE49-F238E27FC236}">
+                <a16:creationId xmlns:a16="http://schemas.microsoft.com/office/drawing/2014/main" id="{19A1DB3C-022D-2734-CCEC-66837F69FB83}"/>
+              </a:ext>
+            </a:extLst>
+          </p:cNvPr>
+          <p:cNvSpPr/>
+          <p:nvPr/>
+        </p:nvSpPr>
+        <p:spPr>
+          <a:xfrm>
+            <a:off x="3248148" y="4663795"/>
+            <a:ext cx="6896102" cy="833944"/>
+          </a:xfrm>
+          <a:prstGeom prst="rect">
+            <a:avLst/>
+          </a:prstGeom>
+          <a:solidFill>
+            <a:schemeClr val="tx1">
+              <a:lumMod val="65000"/>
+              <a:lumOff val="35000"/>
+            </a:schemeClr>
+          </a:solidFill>
+          <a:ln>
+            <a:noFill/>
+          </a:ln>
+        </p:spPr>
+        <p:style>
+          <a:lnRef idx="2">
+            <a:schemeClr val="accent1">
+              <a:shade val="50000"/>
+            </a:schemeClr>
+          </a:lnRef>
+          <a:fillRef idx="1">
+            <a:schemeClr val="accent1"/>
+          </a:fillRef>
+          <a:effectRef idx="0">
+            <a:schemeClr val="accent1"/>
+          </a:effectRef>
+          <a:fontRef idx="minor">
+            <a:schemeClr val="lt1"/>
+          </a:fontRef>
+        </p:style>
+        <p:txBody>
+          <a:bodyPr rtlCol="0" anchor="ctr"/>
+          <a:lstStyle/>
+          <a:p>
+            <a:pPr algn="ctr"/>
+            <a:endParaRPr lang="en-US"/>
+          </a:p>
+        </p:txBody>
+      </p:sp>
+      <p:sp>
+        <p:nvSpPr>
+          <p:cNvPr id="35" name="Rectangle 34">
+            <a:extLst>
+              <a:ext uri="{FF2B5EF4-FFF2-40B4-BE49-F238E27FC236}">
+                <a16:creationId xmlns:a16="http://schemas.microsoft.com/office/drawing/2014/main" id="{AA76A7F0-1BE8-DB67-DC04-68C62B9291DF}"/>
+              </a:ext>
+            </a:extLst>
+          </p:cNvPr>
+          <p:cNvSpPr/>
+          <p:nvPr/>
+        </p:nvSpPr>
+        <p:spPr>
+          <a:xfrm>
+            <a:off x="3248148" y="422309"/>
+            <a:ext cx="922020" cy="2529840"/>
+          </a:xfrm>
+          <a:prstGeom prst="rect">
+            <a:avLst/>
+          </a:prstGeom>
+          <a:solidFill>
+            <a:schemeClr val="tx1">
+              <a:lumMod val="65000"/>
+              <a:lumOff val="35000"/>
+            </a:schemeClr>
+          </a:solidFill>
+          <a:ln>
+            <a:noFill/>
+          </a:ln>
+        </p:spPr>
+        <p:style>
+          <a:lnRef idx="2">
+            <a:schemeClr val="accent1">
+              <a:shade val="50000"/>
+            </a:schemeClr>
+          </a:lnRef>
+          <a:fillRef idx="1">
+            <a:schemeClr val="accent1"/>
+          </a:fillRef>
+          <a:effectRef idx="0">
+            <a:schemeClr val="accent1"/>
+          </a:effectRef>
+          <a:fontRef idx="minor">
+            <a:schemeClr val="lt1"/>
+          </a:fontRef>
+        </p:style>
+        <p:txBody>
+          <a:bodyPr rtlCol="0" anchor="ctr"/>
+          <a:lstStyle/>
+          <a:p>
+            <a:pPr algn="ctr"/>
+            <a:endParaRPr lang="en-US"/>
+          </a:p>
+        </p:txBody>
+      </p:sp>
+      <p:sp>
+        <p:nvSpPr>
+          <p:cNvPr id="36" name="Rectangle 35">
+            <a:extLst>
+              <a:ext uri="{FF2B5EF4-FFF2-40B4-BE49-F238E27FC236}">
+                <a16:creationId xmlns:a16="http://schemas.microsoft.com/office/drawing/2014/main" id="{D8BBA4F0-945E-DC1E-DF07-3D10F02FD7FE}"/>
+              </a:ext>
+            </a:extLst>
+          </p:cNvPr>
+          <p:cNvSpPr/>
+          <p:nvPr/>
+        </p:nvSpPr>
+        <p:spPr>
+          <a:xfrm>
+            <a:off x="6235190" y="422309"/>
+            <a:ext cx="922020" cy="2465017"/>
+          </a:xfrm>
+          <a:prstGeom prst="rect">
+            <a:avLst/>
+          </a:prstGeom>
+          <a:solidFill>
+            <a:schemeClr val="tx1">
+              <a:lumMod val="65000"/>
+              <a:lumOff val="35000"/>
+            </a:schemeClr>
+          </a:solidFill>
+          <a:ln>
+            <a:noFill/>
+          </a:ln>
+        </p:spPr>
+        <p:style>
+          <a:lnRef idx="2">
+            <a:schemeClr val="accent1">
+              <a:shade val="50000"/>
+            </a:schemeClr>
+          </a:lnRef>
+          <a:fillRef idx="1">
+            <a:schemeClr val="accent1"/>
+          </a:fillRef>
+          <a:effectRef idx="0">
+            <a:schemeClr val="accent1"/>
+          </a:effectRef>
+          <a:fontRef idx="minor">
+            <a:schemeClr val="lt1"/>
+          </a:fontRef>
+        </p:style>
+        <p:txBody>
+          <a:bodyPr rtlCol="0" anchor="ctr"/>
+          <a:lstStyle/>
+          <a:p>
+            <a:pPr algn="ctr"/>
+            <a:endParaRPr lang="en-US"/>
+          </a:p>
+        </p:txBody>
+      </p:sp>
+      <p:sp>
+        <p:nvSpPr>
+          <p:cNvPr id="37" name="Rectangle 36">
+            <a:extLst>
+              <a:ext uri="{FF2B5EF4-FFF2-40B4-BE49-F238E27FC236}">
+                <a16:creationId xmlns:a16="http://schemas.microsoft.com/office/drawing/2014/main" id="{FEDA84A0-0D75-0DA3-FF80-D20CED08ADFE}"/>
+              </a:ext>
+            </a:extLst>
+          </p:cNvPr>
+          <p:cNvSpPr/>
+          <p:nvPr/>
+        </p:nvSpPr>
+        <p:spPr>
+          <a:xfrm>
+            <a:off x="9222230" y="422309"/>
+            <a:ext cx="922020" cy="2529840"/>
+          </a:xfrm>
+          <a:prstGeom prst="rect">
+            <a:avLst/>
+          </a:prstGeom>
+          <a:solidFill>
+            <a:schemeClr val="tx1">
+              <a:lumMod val="65000"/>
+              <a:lumOff val="35000"/>
+            </a:schemeClr>
+          </a:solidFill>
+          <a:ln>
+            <a:noFill/>
+          </a:ln>
+        </p:spPr>
+        <p:style>
+          <a:lnRef idx="2">
+            <a:schemeClr val="accent1">
+              <a:shade val="50000"/>
+            </a:schemeClr>
+          </a:lnRef>
+          <a:fillRef idx="1">
+            <a:schemeClr val="accent1"/>
+          </a:fillRef>
+          <a:effectRef idx="0">
+            <a:schemeClr val="accent1"/>
+          </a:effectRef>
+          <a:fontRef idx="minor">
+            <a:schemeClr val="lt1"/>
+          </a:fontRef>
+        </p:style>
+        <p:txBody>
+          <a:bodyPr rtlCol="0" anchor="ctr"/>
+          <a:lstStyle/>
+          <a:p>
+            <a:pPr algn="ctr"/>
+            <a:endParaRPr lang="en-US"/>
+          </a:p>
+        </p:txBody>
+      </p:sp>
+      <p:sp>
+        <p:nvSpPr>
+          <p:cNvPr id="38" name="Rectangle 37">
+            <a:extLst>
+              <a:ext uri="{FF2B5EF4-FFF2-40B4-BE49-F238E27FC236}">
+                <a16:creationId xmlns:a16="http://schemas.microsoft.com/office/drawing/2014/main" id="{2316D44A-2486-2127-69F6-2311FDEE33DD}"/>
+              </a:ext>
+            </a:extLst>
+          </p:cNvPr>
+          <p:cNvSpPr/>
+          <p:nvPr/>
+        </p:nvSpPr>
+        <p:spPr>
+          <a:xfrm>
+            <a:off x="3248148" y="422308"/>
+            <a:ext cx="6896102" cy="833944"/>
+          </a:xfrm>
+          <a:prstGeom prst="rect">
+            <a:avLst/>
+          </a:prstGeom>
+          <a:solidFill>
+            <a:schemeClr val="tx1">
+              <a:lumMod val="65000"/>
+              <a:lumOff val="35000"/>
+            </a:schemeClr>
+          </a:solidFill>
+          <a:ln>
+            <a:noFill/>
+          </a:ln>
+        </p:spPr>
+        <p:style>
+          <a:lnRef idx="2">
+            <a:schemeClr val="accent1">
+              <a:shade val="50000"/>
+            </a:schemeClr>
+          </a:lnRef>
+          <a:fillRef idx="1">
+            <a:schemeClr val="accent1"/>
+          </a:fillRef>
+          <a:effectRef idx="0">
+            <a:schemeClr val="accent1"/>
+          </a:effectRef>
+          <a:fontRef idx="minor">
+            <a:schemeClr val="lt1"/>
+          </a:fontRef>
+        </p:style>
+        <p:txBody>
+          <a:bodyPr rtlCol="0" anchor="ctr"/>
+          <a:lstStyle/>
+          <a:p>
+            <a:pPr algn="ctr"/>
+            <a:r>
+              <a:rPr lang="en-US" dirty="0"/>
+              <a:t>N87 EP9.5-5 core (400nH/turns², B max = 390mT)</a:t>
+            </a:r>
+          </a:p>
+        </p:txBody>
+      </p:sp>
+      <p:grpSp>
+        <p:nvGrpSpPr>
+          <p:cNvPr id="39" name="Group 38">
+            <a:extLst>
+              <a:ext uri="{FF2B5EF4-FFF2-40B4-BE49-F238E27FC236}">
+                <a16:creationId xmlns:a16="http://schemas.microsoft.com/office/drawing/2014/main" id="{60859011-7CEA-6B08-7D59-5666AC4A8868}"/>
+              </a:ext>
+            </a:extLst>
+          </p:cNvPr>
+          <p:cNvGrpSpPr/>
+          <p:nvPr/>
+        </p:nvGrpSpPr>
+        <p:grpSpPr>
+          <a:xfrm>
+            <a:off x="10228070" y="1403111"/>
+            <a:ext cx="1897380" cy="3129576"/>
+            <a:chOff x="494741" y="700386"/>
+            <a:chExt cx="2979979" cy="3129576"/>
+          </a:xfrm>
+        </p:grpSpPr>
+        <p:sp>
+          <p:nvSpPr>
+            <p:cNvPr id="40" name="Rectangle 39">
+              <a:extLst>
+                <a:ext uri="{FF2B5EF4-FFF2-40B4-BE49-F238E27FC236}">
+                  <a16:creationId xmlns:a16="http://schemas.microsoft.com/office/drawing/2014/main" id="{D40F6C3A-A032-7D5A-8070-F9420F8984D8}"/>
+                </a:ext>
+              </a:extLst>
+            </p:cNvPr>
+            <p:cNvSpPr/>
+            <p:nvPr/>
+          </p:nvSpPr>
+          <p:spPr>
+            <a:xfrm>
+              <a:off x="494741" y="964531"/>
+              <a:ext cx="2979979" cy="578841"/>
+            </a:xfrm>
+            <a:prstGeom prst="rect">
+              <a:avLst/>
+            </a:prstGeom>
+            <a:solidFill>
+              <a:srgbClr val="57AF65"/>
+            </a:solidFill>
+            <a:ln>
+              <a:noFill/>
+            </a:ln>
+          </p:spPr>
+          <p:style>
+            <a:lnRef idx="2">
+              <a:schemeClr val="accent1">
+                <a:shade val="50000"/>
+              </a:schemeClr>
+            </a:lnRef>
+            <a:fillRef idx="1">
+              <a:schemeClr val="accent1"/>
+            </a:fillRef>
+            <a:effectRef idx="0">
+              <a:schemeClr val="accent1"/>
+            </a:effectRef>
+            <a:fontRef idx="minor">
+              <a:schemeClr val="lt1"/>
+            </a:fontRef>
+          </p:style>
+          <p:txBody>
+            <a:bodyPr rtlCol="0" anchor="ctr"/>
+            <a:lstStyle/>
+            <a:p>
+              <a:endParaRPr lang="en-US" dirty="0"/>
+            </a:p>
+          </p:txBody>
+        </p:sp>
+        <p:sp>
+          <p:nvSpPr>
+            <p:cNvPr id="41" name="Rectangle 40">
+              <a:extLst>
+                <a:ext uri="{FF2B5EF4-FFF2-40B4-BE49-F238E27FC236}">
+                  <a16:creationId xmlns:a16="http://schemas.microsoft.com/office/drawing/2014/main" id="{3E05F01F-30D3-0496-7831-67ED4E589795}"/>
+                </a:ext>
+              </a:extLst>
+            </p:cNvPr>
+            <p:cNvSpPr/>
+            <p:nvPr/>
+          </p:nvSpPr>
+          <p:spPr>
+            <a:xfrm>
+              <a:off x="494741" y="1543372"/>
+              <a:ext cx="2979979" cy="201119"/>
+            </a:xfrm>
+            <a:prstGeom prst="rect">
+              <a:avLst/>
+            </a:prstGeom>
+            <a:solidFill>
+              <a:srgbClr val="FFC501"/>
+            </a:solidFill>
+            <a:ln>
+              <a:noFill/>
+            </a:ln>
+          </p:spPr>
+          <p:style>
+            <a:lnRef idx="2">
+              <a:schemeClr val="accent1">
+                <a:shade val="50000"/>
+              </a:schemeClr>
+            </a:lnRef>
+            <a:fillRef idx="1">
+              <a:schemeClr val="accent1"/>
+            </a:fillRef>
+            <a:effectRef idx="0">
+              <a:schemeClr val="accent1"/>
+            </a:effectRef>
+            <a:fontRef idx="minor">
+              <a:schemeClr val="lt1"/>
+            </a:fontRef>
+          </p:style>
+          <p:txBody>
+            <a:bodyPr rtlCol="0" anchor="ctr"/>
+            <a:lstStyle/>
+            <a:p>
+              <a:r>
+                <a:rPr lang="en-US" dirty="0"/>
+                <a:t>Primary -</a:t>
+              </a:r>
+            </a:p>
+          </p:txBody>
+        </p:sp>
+        <p:sp>
+          <p:nvSpPr>
+            <p:cNvPr id="42" name="Rectangle 41">
+              <a:extLst>
+                <a:ext uri="{FF2B5EF4-FFF2-40B4-BE49-F238E27FC236}">
+                  <a16:creationId xmlns:a16="http://schemas.microsoft.com/office/drawing/2014/main" id="{DFFCB1DC-083B-821C-D952-7EC466C18C52}"/>
+                </a:ext>
+              </a:extLst>
+            </p:cNvPr>
+            <p:cNvSpPr/>
+            <p:nvPr/>
+          </p:nvSpPr>
+          <p:spPr>
+            <a:xfrm>
+              <a:off x="494741" y="1741321"/>
+              <a:ext cx="2979979" cy="1052385"/>
+            </a:xfrm>
+            <a:prstGeom prst="rect">
+              <a:avLst/>
+            </a:prstGeom>
+            <a:solidFill>
+              <a:srgbClr val="57AF65"/>
+            </a:solidFill>
+            <a:ln>
+              <a:noFill/>
+            </a:ln>
+          </p:spPr>
+          <p:style>
+            <a:lnRef idx="2">
+              <a:schemeClr val="accent1">
+                <a:shade val="50000"/>
+              </a:schemeClr>
+            </a:lnRef>
+            <a:fillRef idx="1">
+              <a:schemeClr val="accent1"/>
+            </a:fillRef>
+            <a:effectRef idx="0">
+              <a:schemeClr val="accent1"/>
+            </a:effectRef>
+            <a:fontRef idx="minor">
+              <a:schemeClr val="lt1"/>
+            </a:fontRef>
+          </p:style>
+          <p:txBody>
+            <a:bodyPr rtlCol="0" anchor="ctr"/>
+            <a:lstStyle/>
+            <a:p>
+              <a:endParaRPr lang="en-US" dirty="0"/>
+            </a:p>
+          </p:txBody>
+        </p:sp>
+        <p:sp>
+          <p:nvSpPr>
+            <p:cNvPr id="43" name="Rectangle 42">
+              <a:extLst>
+                <a:ext uri="{FF2B5EF4-FFF2-40B4-BE49-F238E27FC236}">
+                  <a16:creationId xmlns:a16="http://schemas.microsoft.com/office/drawing/2014/main" id="{0C7490E3-55B4-76A0-A07E-EF7A1F1EB4B0}"/>
+                </a:ext>
+              </a:extLst>
+            </p:cNvPr>
+            <p:cNvSpPr/>
+            <p:nvPr/>
+          </p:nvSpPr>
+          <p:spPr>
+            <a:xfrm>
+              <a:off x="494741" y="700386"/>
+              <a:ext cx="2979979" cy="268447"/>
+            </a:xfrm>
+            <a:prstGeom prst="rect">
+              <a:avLst/>
+            </a:prstGeom>
+            <a:solidFill>
+              <a:srgbClr val="FFC501"/>
+            </a:solidFill>
+            <a:ln>
+              <a:noFill/>
+            </a:ln>
+          </p:spPr>
+          <p:style>
+            <a:lnRef idx="2">
+              <a:schemeClr val="accent1">
+                <a:shade val="50000"/>
+              </a:schemeClr>
+            </a:lnRef>
+            <a:fillRef idx="1">
+              <a:schemeClr val="accent1"/>
+            </a:fillRef>
+            <a:effectRef idx="0">
+              <a:schemeClr val="accent1"/>
+            </a:effectRef>
+            <a:fontRef idx="minor">
+              <a:schemeClr val="lt1"/>
+            </a:fontRef>
+          </p:style>
+          <p:txBody>
+            <a:bodyPr rtlCol="0" anchor="ctr"/>
+            <a:lstStyle/>
+            <a:p>
+              <a:r>
+                <a:rPr lang="en-US" dirty="0"/>
+                <a:t>Primary +</a:t>
+              </a:r>
+            </a:p>
+          </p:txBody>
+        </p:sp>
+        <p:sp>
+          <p:nvSpPr>
+            <p:cNvPr id="44" name="Rectangle 43">
+              <a:extLst>
+                <a:ext uri="{FF2B5EF4-FFF2-40B4-BE49-F238E27FC236}">
+                  <a16:creationId xmlns:a16="http://schemas.microsoft.com/office/drawing/2014/main" id="{42094E91-5A8E-DE39-C79B-90516D695D23}"/>
+                </a:ext>
+              </a:extLst>
+            </p:cNvPr>
+            <p:cNvSpPr/>
+            <p:nvPr/>
+          </p:nvSpPr>
+          <p:spPr>
+            <a:xfrm>
+              <a:off x="494741" y="2788197"/>
+              <a:ext cx="2979979" cy="201119"/>
+            </a:xfrm>
+            <a:prstGeom prst="rect">
+              <a:avLst/>
+            </a:prstGeom>
+            <a:solidFill>
+              <a:srgbClr val="FFC501"/>
+            </a:solidFill>
+            <a:ln>
+              <a:noFill/>
+            </a:ln>
+          </p:spPr>
+          <p:style>
+            <a:lnRef idx="2">
+              <a:schemeClr val="accent1">
+                <a:shade val="50000"/>
+              </a:schemeClr>
+            </a:lnRef>
+            <a:fillRef idx="1">
+              <a:schemeClr val="accent1"/>
+            </a:fillRef>
+            <a:effectRef idx="0">
+              <a:schemeClr val="accent1"/>
+            </a:effectRef>
+            <a:fontRef idx="minor">
+              <a:schemeClr val="lt1"/>
+            </a:fontRef>
+          </p:style>
+          <p:txBody>
+            <a:bodyPr rtlCol="0" anchor="ctr"/>
+            <a:lstStyle/>
+            <a:p>
+              <a:r>
+                <a:rPr lang="en-US" dirty="0"/>
+                <a:t>Secondary +</a:t>
+              </a:r>
+            </a:p>
+          </p:txBody>
+        </p:sp>
+        <p:sp>
+          <p:nvSpPr>
+            <p:cNvPr id="45" name="Rectangle 44">
+              <a:extLst>
+                <a:ext uri="{FF2B5EF4-FFF2-40B4-BE49-F238E27FC236}">
+                  <a16:creationId xmlns:a16="http://schemas.microsoft.com/office/drawing/2014/main" id="{CBD734B6-E8FE-B16B-82DB-A39FC2B71F3A}"/>
+                </a:ext>
+              </a:extLst>
+            </p:cNvPr>
+            <p:cNvSpPr/>
+            <p:nvPr/>
+          </p:nvSpPr>
+          <p:spPr>
+            <a:xfrm>
+              <a:off x="494741" y="2990523"/>
+              <a:ext cx="2979979" cy="578841"/>
+            </a:xfrm>
+            <a:prstGeom prst="rect">
+              <a:avLst/>
+            </a:prstGeom>
+            <a:solidFill>
+              <a:srgbClr val="57AF65"/>
+            </a:solidFill>
+            <a:ln>
+              <a:noFill/>
+            </a:ln>
+          </p:spPr>
+          <p:style>
+            <a:lnRef idx="2">
+              <a:schemeClr val="accent1">
+                <a:shade val="50000"/>
+              </a:schemeClr>
+            </a:lnRef>
+            <a:fillRef idx="1">
+              <a:schemeClr val="accent1"/>
+            </a:fillRef>
+            <a:effectRef idx="0">
+              <a:schemeClr val="accent1"/>
+            </a:effectRef>
+            <a:fontRef idx="minor">
+              <a:schemeClr val="lt1"/>
+            </a:fontRef>
+          </p:style>
+          <p:txBody>
+            <a:bodyPr rtlCol="0" anchor="ctr"/>
+            <a:lstStyle/>
+            <a:p>
+              <a:endParaRPr lang="en-US" dirty="0"/>
+            </a:p>
+          </p:txBody>
+        </p:sp>
+        <p:sp>
+          <p:nvSpPr>
+            <p:cNvPr id="46" name="Rectangle 45">
+              <a:extLst>
+                <a:ext uri="{FF2B5EF4-FFF2-40B4-BE49-F238E27FC236}">
+                  <a16:creationId xmlns:a16="http://schemas.microsoft.com/office/drawing/2014/main" id="{9EBFF0FC-B0FC-7CBC-7897-B206CC465949}"/>
+                </a:ext>
+              </a:extLst>
+            </p:cNvPr>
+            <p:cNvSpPr/>
+            <p:nvPr/>
+          </p:nvSpPr>
+          <p:spPr>
+            <a:xfrm>
+              <a:off x="494741" y="3561515"/>
+              <a:ext cx="2979979" cy="268447"/>
+            </a:xfrm>
+            <a:prstGeom prst="rect">
+              <a:avLst/>
+            </a:prstGeom>
+            <a:solidFill>
+              <a:srgbClr val="FFC501"/>
+            </a:solidFill>
+            <a:ln>
+              <a:noFill/>
+            </a:ln>
+          </p:spPr>
+          <p:style>
+            <a:lnRef idx="2">
+              <a:schemeClr val="accent1">
+                <a:shade val="50000"/>
+              </a:schemeClr>
+            </a:lnRef>
+            <a:fillRef idx="1">
+              <a:schemeClr val="accent1"/>
+            </a:fillRef>
+            <a:effectRef idx="0">
+              <a:schemeClr val="accent1"/>
+            </a:effectRef>
+            <a:fontRef idx="minor">
+              <a:schemeClr val="lt1"/>
+            </a:fontRef>
+          </p:style>
+          <p:txBody>
+            <a:bodyPr rtlCol="0" anchor="ctr"/>
+            <a:lstStyle/>
+            <a:p>
+              <a:r>
+                <a:rPr lang="en-US" dirty="0"/>
+                <a:t>Secondary -</a:t>
+              </a:r>
+            </a:p>
+          </p:txBody>
+        </p:sp>
+      </p:grpSp>
+      <p:sp>
+        <p:nvSpPr>
+          <p:cNvPr id="47" name="Rectangle 46">
+            <a:extLst>
+              <a:ext uri="{FF2B5EF4-FFF2-40B4-BE49-F238E27FC236}">
+                <a16:creationId xmlns:a16="http://schemas.microsoft.com/office/drawing/2014/main" id="{795A657B-2630-EF00-0731-0E6FD2DC1A95}"/>
+              </a:ext>
+            </a:extLst>
+          </p:cNvPr>
+          <p:cNvSpPr/>
+          <p:nvPr/>
+        </p:nvSpPr>
+        <p:spPr>
+          <a:xfrm>
+            <a:off x="7356759" y="1667298"/>
+            <a:ext cx="67979" cy="578841"/>
+          </a:xfrm>
+          <a:prstGeom prst="rect">
+            <a:avLst/>
+          </a:prstGeom>
+          <a:solidFill>
+            <a:srgbClr val="FFC501"/>
+          </a:solidFill>
+          <a:ln>
+            <a:noFill/>
+          </a:ln>
+        </p:spPr>
+        <p:style>
+          <a:lnRef idx="2">
+            <a:schemeClr val="accent1">
+              <a:shade val="50000"/>
+            </a:schemeClr>
+          </a:lnRef>
+          <a:fillRef idx="1">
+            <a:schemeClr val="accent1"/>
+          </a:fillRef>
+          <a:effectRef idx="0">
+            <a:schemeClr val="accent1"/>
+          </a:effectRef>
+          <a:fontRef idx="minor">
+            <a:schemeClr val="lt1"/>
+          </a:fontRef>
+        </p:style>
+        <p:txBody>
+          <a:bodyPr rtlCol="0" anchor="ctr"/>
+          <a:lstStyle/>
+          <a:p>
+            <a:endParaRPr lang="en-US" dirty="0"/>
+          </a:p>
+        </p:txBody>
+      </p:sp>
+      <p:sp>
+        <p:nvSpPr>
+          <p:cNvPr id="48" name="Rectangle 47">
+            <a:extLst>
+              <a:ext uri="{FF2B5EF4-FFF2-40B4-BE49-F238E27FC236}">
+                <a16:creationId xmlns:a16="http://schemas.microsoft.com/office/drawing/2014/main" id="{0EE6F547-A8E6-39BC-B6ED-43F18E78E28C}"/>
+              </a:ext>
+            </a:extLst>
+          </p:cNvPr>
+          <p:cNvSpPr/>
+          <p:nvPr/>
+        </p:nvSpPr>
+        <p:spPr>
+          <a:xfrm>
+            <a:off x="7506477" y="1669854"/>
+            <a:ext cx="67979" cy="578841"/>
+          </a:xfrm>
+          <a:prstGeom prst="rect">
+            <a:avLst/>
+          </a:prstGeom>
+          <a:solidFill>
+            <a:srgbClr val="FFC501"/>
+          </a:solidFill>
+          <a:ln>
+            <a:noFill/>
+          </a:ln>
+        </p:spPr>
+        <p:style>
+          <a:lnRef idx="2">
+            <a:schemeClr val="accent1">
+              <a:shade val="50000"/>
+            </a:schemeClr>
+          </a:lnRef>
+          <a:fillRef idx="1">
+            <a:schemeClr val="accent1"/>
+          </a:fillRef>
+          <a:effectRef idx="0">
+            <a:schemeClr val="accent1"/>
+          </a:effectRef>
+          <a:fontRef idx="minor">
+            <a:schemeClr val="lt1"/>
+          </a:fontRef>
+        </p:style>
+        <p:txBody>
+          <a:bodyPr rtlCol="0" anchor="ctr"/>
+          <a:lstStyle/>
+          <a:p>
+            <a:endParaRPr lang="en-US" dirty="0"/>
+          </a:p>
+        </p:txBody>
+      </p:sp>
+      <p:sp>
+        <p:nvSpPr>
+          <p:cNvPr id="49" name="Rectangle 48">
+            <a:extLst>
+              <a:ext uri="{FF2B5EF4-FFF2-40B4-BE49-F238E27FC236}">
+                <a16:creationId xmlns:a16="http://schemas.microsoft.com/office/drawing/2014/main" id="{5C651666-7764-F694-BAE9-3223AE6BB3CA}"/>
+              </a:ext>
+            </a:extLst>
+          </p:cNvPr>
+          <p:cNvSpPr/>
+          <p:nvPr/>
+        </p:nvSpPr>
+        <p:spPr>
+          <a:xfrm>
+            <a:off x="7419800" y="1671558"/>
+            <a:ext cx="86677" cy="583486"/>
+          </a:xfrm>
+          <a:prstGeom prst="rect">
+            <a:avLst/>
+          </a:prstGeom>
+          <a:solidFill>
+            <a:schemeClr val="bg1"/>
+          </a:solidFill>
+          <a:ln>
+            <a:noFill/>
+          </a:ln>
+        </p:spPr>
+        <p:style>
+          <a:lnRef idx="2">
+            <a:schemeClr val="accent1">
+              <a:shade val="50000"/>
+            </a:schemeClr>
+          </a:lnRef>
+          <a:fillRef idx="1">
+            <a:schemeClr val="accent1"/>
+          </a:fillRef>
+          <a:effectRef idx="0">
+            <a:schemeClr val="accent1"/>
+          </a:effectRef>
+          <a:fontRef idx="minor">
+            <a:schemeClr val="lt1"/>
+          </a:fontRef>
+        </p:style>
+        <p:txBody>
+          <a:bodyPr rtlCol="0" anchor="ctr"/>
+          <a:lstStyle/>
+          <a:p>
+            <a:endParaRPr lang="en-US" dirty="0"/>
+          </a:p>
+        </p:txBody>
+      </p:sp>
+      <p:sp>
+        <p:nvSpPr>
+          <p:cNvPr id="50" name="Rectangle 49">
+            <a:extLst>
+              <a:ext uri="{FF2B5EF4-FFF2-40B4-BE49-F238E27FC236}">
+                <a16:creationId xmlns:a16="http://schemas.microsoft.com/office/drawing/2014/main" id="{91BD20CD-6AB7-0201-99C5-F825D08C9F14}"/>
+              </a:ext>
+            </a:extLst>
+          </p:cNvPr>
+          <p:cNvSpPr/>
+          <p:nvPr/>
+        </p:nvSpPr>
+        <p:spPr>
+          <a:xfrm>
+            <a:off x="7351821" y="3685089"/>
+            <a:ext cx="67979" cy="578841"/>
+          </a:xfrm>
+          <a:prstGeom prst="rect">
+            <a:avLst/>
+          </a:prstGeom>
+          <a:solidFill>
+            <a:srgbClr val="FFC501"/>
+          </a:solidFill>
+          <a:ln>
+            <a:noFill/>
+          </a:ln>
+        </p:spPr>
+        <p:style>
+          <a:lnRef idx="2">
+            <a:schemeClr val="accent1">
+              <a:shade val="50000"/>
+            </a:schemeClr>
+          </a:lnRef>
+          <a:fillRef idx="1">
+            <a:schemeClr val="accent1"/>
+          </a:fillRef>
+          <a:effectRef idx="0">
+            <a:schemeClr val="accent1"/>
+          </a:effectRef>
+          <a:fontRef idx="minor">
+            <a:schemeClr val="lt1"/>
+          </a:fontRef>
+        </p:style>
+        <p:txBody>
+          <a:bodyPr rtlCol="0" anchor="ctr"/>
+          <a:lstStyle/>
+          <a:p>
+            <a:endParaRPr lang="en-US" dirty="0"/>
+          </a:p>
+        </p:txBody>
+      </p:sp>
+      <p:sp>
+        <p:nvSpPr>
+          <p:cNvPr id="51" name="Rectangle 50">
+            <a:extLst>
+              <a:ext uri="{FF2B5EF4-FFF2-40B4-BE49-F238E27FC236}">
+                <a16:creationId xmlns:a16="http://schemas.microsoft.com/office/drawing/2014/main" id="{42B6778A-E1A5-B319-E13D-A883F8AE548B}"/>
+              </a:ext>
+            </a:extLst>
+          </p:cNvPr>
+          <p:cNvSpPr/>
+          <p:nvPr/>
+        </p:nvSpPr>
+        <p:spPr>
+          <a:xfrm>
+            <a:off x="7501539" y="3687645"/>
+            <a:ext cx="67979" cy="578841"/>
+          </a:xfrm>
+          <a:prstGeom prst="rect">
+            <a:avLst/>
+          </a:prstGeom>
+          <a:solidFill>
+            <a:srgbClr val="FFC501"/>
+          </a:solidFill>
+          <a:ln>
+            <a:noFill/>
+          </a:ln>
+        </p:spPr>
+        <p:style>
+          <a:lnRef idx="2">
+            <a:schemeClr val="accent1">
+              <a:shade val="50000"/>
+            </a:schemeClr>
+          </a:lnRef>
+          <a:fillRef idx="1">
+            <a:schemeClr val="accent1"/>
+          </a:fillRef>
+          <a:effectRef idx="0">
+            <a:schemeClr val="accent1"/>
+          </a:effectRef>
+          <a:fontRef idx="minor">
+            <a:schemeClr val="lt1"/>
+          </a:fontRef>
+        </p:style>
+        <p:txBody>
+          <a:bodyPr rtlCol="0" anchor="ctr"/>
+          <a:lstStyle/>
+          <a:p>
+            <a:endParaRPr lang="en-US" dirty="0"/>
+          </a:p>
+        </p:txBody>
+      </p:sp>
+      <p:sp>
+        <p:nvSpPr>
+          <p:cNvPr id="52" name="Rectangle 51">
+            <a:extLst>
+              <a:ext uri="{FF2B5EF4-FFF2-40B4-BE49-F238E27FC236}">
+                <a16:creationId xmlns:a16="http://schemas.microsoft.com/office/drawing/2014/main" id="{683B61EC-CCAE-7968-4C1D-6F29BC11A858}"/>
+              </a:ext>
+            </a:extLst>
+          </p:cNvPr>
+          <p:cNvSpPr/>
+          <p:nvPr/>
+        </p:nvSpPr>
+        <p:spPr>
+          <a:xfrm>
+            <a:off x="7414862" y="3689349"/>
+            <a:ext cx="86677" cy="583486"/>
+          </a:xfrm>
+          <a:prstGeom prst="rect">
+            <a:avLst/>
+          </a:prstGeom>
+          <a:solidFill>
+            <a:schemeClr val="bg1"/>
+          </a:solidFill>
+          <a:ln>
+            <a:noFill/>
+          </a:ln>
+        </p:spPr>
+        <p:style>
+          <a:lnRef idx="2">
+            <a:schemeClr val="accent1">
+              <a:shade val="50000"/>
+            </a:schemeClr>
+          </a:lnRef>
+          <a:fillRef idx="1">
+            <a:schemeClr val="accent1"/>
+          </a:fillRef>
+          <a:effectRef idx="0">
+            <a:schemeClr val="accent1"/>
+          </a:effectRef>
+          <a:fontRef idx="minor">
+            <a:schemeClr val="lt1"/>
+          </a:fontRef>
+        </p:style>
+        <p:txBody>
+          <a:bodyPr rtlCol="0" anchor="ctr"/>
+          <a:lstStyle/>
+          <a:p>
+            <a:endParaRPr lang="en-US" dirty="0"/>
+          </a:p>
+        </p:txBody>
+      </p:sp>
+    </p:spTree>
+    <p:extLst>
+      <p:ext uri="{BB962C8B-B14F-4D97-AF65-F5344CB8AC3E}">
+        <p14:creationId xmlns:p14="http://schemas.microsoft.com/office/powerpoint/2010/main" val="2153484359"/>
+      </p:ext>
+    </p:extLst>
+  </p:cSld>
+  <p:clrMapOvr>
+    <a:masterClrMapping/>
+  </p:clrMapOvr>
+</p:sld>
+</file>
+
 <file path=ppt/theme/theme1.xml><?xml version="1.0" encoding="utf-8"?>
 <a:theme xmlns:a="http://schemas.openxmlformats.org/drawingml/2006/main" name="Office Theme">
   <a:themeElements>
